--- a/a.pptx
+++ b/a.pptx
@@ -4,12 +4,18 @@
   <p:sldMasterIdLst>
     <p:sldMasterId id="2147483818" r:id="rId1"/>
   </p:sldMasterIdLst>
+  <p:notesMasterIdLst>
+    <p:notesMasterId r:id="rId10"/>
+  </p:notesMasterIdLst>
   <p:sldIdLst>
     <p:sldId id="256" r:id="rId2"/>
-    <p:sldId id="257" r:id="rId3"/>
-    <p:sldId id="258" r:id="rId4"/>
-    <p:sldId id="259" r:id="rId5"/>
-    <p:sldId id="260" r:id="rId6"/>
+    <p:sldId id="263" r:id="rId3"/>
+    <p:sldId id="262" r:id="rId4"/>
+    <p:sldId id="257" r:id="rId5"/>
+    <p:sldId id="261" r:id="rId6"/>
+    <p:sldId id="258" r:id="rId7"/>
+    <p:sldId id="259" r:id="rId8"/>
+    <p:sldId id="260" r:id="rId9"/>
   </p:sldIdLst>
   <p:sldSz cx="12192000" cy="6858000"/>
   <p:notesSz cx="6858000" cy="9144000"/>
@@ -114,6 +120,355 @@
     </p:ext>
   </p:extLst>
 </p:presentation>
+</file>
+
+<file path=ppt/notesMasters/notesMaster1.xml><?xml version="1.0" encoding="utf-8"?>
+<p:notesMaster xmlns:a="http://schemas.openxmlformats.org/drawingml/2006/main" xmlns:r="http://schemas.openxmlformats.org/officeDocument/2006/relationships" xmlns:p="http://schemas.openxmlformats.org/presentationml/2006/main">
+  <p:cSld>
+    <p:bg>
+      <p:bgRef idx="1001">
+        <a:schemeClr val="bg1"/>
+      </p:bgRef>
+    </p:bg>
+    <p:spTree>
+      <p:nvGrpSpPr>
+        <p:cNvPr id="1" name=""/>
+        <p:cNvGrpSpPr/>
+        <p:nvPr/>
+      </p:nvGrpSpPr>
+      <p:grpSpPr>
+        <a:xfrm>
+          <a:off x="0" y="0"/>
+          <a:ext cx="0" cy="0"/>
+          <a:chOff x="0" y="0"/>
+          <a:chExt cx="0" cy="0"/>
+        </a:xfrm>
+      </p:grpSpPr>
+      <p:sp>
+        <p:nvSpPr>
+          <p:cNvPr id="2" name="页眉占位符 1"/>
+          <p:cNvSpPr>
+            <a:spLocks noGrp="1"/>
+          </p:cNvSpPr>
+          <p:nvPr>
+            <p:ph type="hdr" sz="quarter"/>
+          </p:nvPr>
+        </p:nvSpPr>
+        <p:spPr>
+          <a:xfrm>
+            <a:off x="0" y="0"/>
+            <a:ext cx="2971800" cy="458788"/>
+          </a:xfrm>
+          <a:prstGeom prst="rect">
+            <a:avLst/>
+          </a:prstGeom>
+        </p:spPr>
+        <p:txBody>
+          <a:bodyPr vert="horz" lIns="91440" tIns="45720" rIns="91440" bIns="45720" rtlCol="0"/>
+          <a:lstStyle>
+            <a:lvl1pPr algn="l">
+              <a:defRPr sz="1200"/>
+            </a:lvl1pPr>
+          </a:lstStyle>
+          <a:p>
+            <a:endParaRPr lang="zh-CN" altLang="en-US"/>
+          </a:p>
+        </p:txBody>
+      </p:sp>
+      <p:sp>
+        <p:nvSpPr>
+          <p:cNvPr id="3" name="日期占位符 2"/>
+          <p:cNvSpPr>
+            <a:spLocks noGrp="1"/>
+          </p:cNvSpPr>
+          <p:nvPr>
+            <p:ph type="dt" idx="1"/>
+          </p:nvPr>
+        </p:nvSpPr>
+        <p:spPr>
+          <a:xfrm>
+            <a:off x="3884613" y="0"/>
+            <a:ext cx="2971800" cy="458788"/>
+          </a:xfrm>
+          <a:prstGeom prst="rect">
+            <a:avLst/>
+          </a:prstGeom>
+        </p:spPr>
+        <p:txBody>
+          <a:bodyPr vert="horz" lIns="91440" tIns="45720" rIns="91440" bIns="45720" rtlCol="0"/>
+          <a:lstStyle>
+            <a:lvl1pPr algn="r">
+              <a:defRPr sz="1200"/>
+            </a:lvl1pPr>
+          </a:lstStyle>
+          <a:p>
+            <a:fld id="{B95BF8F0-592C-4835-9A77-0C76CBE42B70}" type="datetimeFigureOut">
+              <a:rPr lang="zh-CN" altLang="en-US" smtClean="0"/>
+              <a:t>2021/3/29</a:t>
+            </a:fld>
+            <a:endParaRPr lang="zh-CN" altLang="en-US"/>
+          </a:p>
+        </p:txBody>
+      </p:sp>
+      <p:sp>
+        <p:nvSpPr>
+          <p:cNvPr id="4" name="幻灯片图像占位符 3"/>
+          <p:cNvSpPr>
+            <a:spLocks noGrp="1" noRot="1" noChangeAspect="1"/>
+          </p:cNvSpPr>
+          <p:nvPr>
+            <p:ph type="sldImg" idx="2"/>
+          </p:nvPr>
+        </p:nvSpPr>
+        <p:spPr>
+          <a:xfrm>
+            <a:off x="685800" y="1143000"/>
+            <a:ext cx="5486400" cy="3086100"/>
+          </a:xfrm>
+          <a:prstGeom prst="rect">
+            <a:avLst/>
+          </a:prstGeom>
+          <a:noFill/>
+          <a:ln w="12700">
+            <a:solidFill>
+              <a:prstClr val="black"/>
+            </a:solidFill>
+          </a:ln>
+        </p:spPr>
+        <p:txBody>
+          <a:bodyPr vert="horz" lIns="91440" tIns="45720" rIns="91440" bIns="45720" rtlCol="0" anchor="ctr"/>
+          <a:lstStyle/>
+          <a:p>
+            <a:endParaRPr lang="zh-CN" altLang="en-US"/>
+          </a:p>
+        </p:txBody>
+      </p:sp>
+      <p:sp>
+        <p:nvSpPr>
+          <p:cNvPr id="5" name="备注占位符 4"/>
+          <p:cNvSpPr>
+            <a:spLocks noGrp="1"/>
+          </p:cNvSpPr>
+          <p:nvPr>
+            <p:ph type="body" sz="quarter" idx="3"/>
+          </p:nvPr>
+        </p:nvSpPr>
+        <p:spPr>
+          <a:xfrm>
+            <a:off x="685800" y="4400550"/>
+            <a:ext cx="5486400" cy="3600450"/>
+          </a:xfrm>
+          <a:prstGeom prst="rect">
+            <a:avLst/>
+          </a:prstGeom>
+        </p:spPr>
+        <p:txBody>
+          <a:bodyPr vert="horz" lIns="91440" tIns="45720" rIns="91440" bIns="45720" rtlCol="0"/>
+          <a:lstStyle/>
+          <a:p>
+            <a:pPr lvl="0"/>
+            <a:r>
+              <a:rPr lang="zh-CN" altLang="en-US"/>
+              <a:t>单击此处编辑母版文本样式</a:t>
+            </a:r>
+          </a:p>
+          <a:p>
+            <a:pPr lvl="1"/>
+            <a:r>
+              <a:rPr lang="zh-CN" altLang="en-US"/>
+              <a:t>二级</a:t>
+            </a:r>
+          </a:p>
+          <a:p>
+            <a:pPr lvl="2"/>
+            <a:r>
+              <a:rPr lang="zh-CN" altLang="en-US"/>
+              <a:t>三级</a:t>
+            </a:r>
+          </a:p>
+          <a:p>
+            <a:pPr lvl="3"/>
+            <a:r>
+              <a:rPr lang="zh-CN" altLang="en-US"/>
+              <a:t>四级</a:t>
+            </a:r>
+          </a:p>
+          <a:p>
+            <a:pPr lvl="4"/>
+            <a:r>
+              <a:rPr lang="zh-CN" altLang="en-US"/>
+              <a:t>五级</a:t>
+            </a:r>
+          </a:p>
+        </p:txBody>
+      </p:sp>
+      <p:sp>
+        <p:nvSpPr>
+          <p:cNvPr id="6" name="页脚占位符 5"/>
+          <p:cNvSpPr>
+            <a:spLocks noGrp="1"/>
+          </p:cNvSpPr>
+          <p:nvPr>
+            <p:ph type="ftr" sz="quarter" idx="4"/>
+          </p:nvPr>
+        </p:nvSpPr>
+        <p:spPr>
+          <a:xfrm>
+            <a:off x="0" y="8685213"/>
+            <a:ext cx="2971800" cy="458787"/>
+          </a:xfrm>
+          <a:prstGeom prst="rect">
+            <a:avLst/>
+          </a:prstGeom>
+        </p:spPr>
+        <p:txBody>
+          <a:bodyPr vert="horz" lIns="91440" tIns="45720" rIns="91440" bIns="45720" rtlCol="0" anchor="b"/>
+          <a:lstStyle>
+            <a:lvl1pPr algn="l">
+              <a:defRPr sz="1200"/>
+            </a:lvl1pPr>
+          </a:lstStyle>
+          <a:p>
+            <a:endParaRPr lang="zh-CN" altLang="en-US"/>
+          </a:p>
+        </p:txBody>
+      </p:sp>
+      <p:sp>
+        <p:nvSpPr>
+          <p:cNvPr id="7" name="灯片编号占位符 6"/>
+          <p:cNvSpPr>
+            <a:spLocks noGrp="1"/>
+          </p:cNvSpPr>
+          <p:nvPr>
+            <p:ph type="sldNum" sz="quarter" idx="5"/>
+          </p:nvPr>
+        </p:nvSpPr>
+        <p:spPr>
+          <a:xfrm>
+            <a:off x="3884613" y="8685213"/>
+            <a:ext cx="2971800" cy="458787"/>
+          </a:xfrm>
+          <a:prstGeom prst="rect">
+            <a:avLst/>
+          </a:prstGeom>
+        </p:spPr>
+        <p:txBody>
+          <a:bodyPr vert="horz" lIns="91440" tIns="45720" rIns="91440" bIns="45720" rtlCol="0" anchor="b"/>
+          <a:lstStyle>
+            <a:lvl1pPr algn="r">
+              <a:defRPr sz="1200"/>
+            </a:lvl1pPr>
+          </a:lstStyle>
+          <a:p>
+            <a:fld id="{3998BE24-5211-4855-BFFC-5EE5352E5B44}" type="slidenum">
+              <a:rPr lang="zh-CN" altLang="en-US" smtClean="0"/>
+              <a:t>‹#›</a:t>
+            </a:fld>
+            <a:endParaRPr lang="zh-CN" altLang="en-US"/>
+          </a:p>
+        </p:txBody>
+      </p:sp>
+    </p:spTree>
+    <p:extLst>
+      <p:ext uri="{BB962C8B-B14F-4D97-AF65-F5344CB8AC3E}">
+        <p14:creationId xmlns:p14="http://schemas.microsoft.com/office/powerpoint/2010/main" val="2020437598"/>
+      </p:ext>
+    </p:extLst>
+  </p:cSld>
+  <p:clrMap bg1="lt1" tx1="dk1" bg2="lt2" tx2="dk2" accent1="accent1" accent2="accent2" accent3="accent3" accent4="accent4" accent5="accent5" accent6="accent6" hlink="hlink" folHlink="folHlink"/>
+  <p:notesStyle>
+    <a:lvl1pPr marL="0" algn="l" defTabSz="914400" rtl="0" eaLnBrk="1" latinLnBrk="0" hangingPunct="1">
+      <a:defRPr sz="1200" kern="1200">
+        <a:solidFill>
+          <a:schemeClr val="tx1"/>
+        </a:solidFill>
+        <a:latin typeface="+mn-lt"/>
+        <a:ea typeface="+mn-ea"/>
+        <a:cs typeface="+mn-cs"/>
+      </a:defRPr>
+    </a:lvl1pPr>
+    <a:lvl2pPr marL="457200" algn="l" defTabSz="914400" rtl="0" eaLnBrk="1" latinLnBrk="0" hangingPunct="1">
+      <a:defRPr sz="1200" kern="1200">
+        <a:solidFill>
+          <a:schemeClr val="tx1"/>
+        </a:solidFill>
+        <a:latin typeface="+mn-lt"/>
+        <a:ea typeface="+mn-ea"/>
+        <a:cs typeface="+mn-cs"/>
+      </a:defRPr>
+    </a:lvl2pPr>
+    <a:lvl3pPr marL="914400" algn="l" defTabSz="914400" rtl="0" eaLnBrk="1" latinLnBrk="0" hangingPunct="1">
+      <a:defRPr sz="1200" kern="1200">
+        <a:solidFill>
+          <a:schemeClr val="tx1"/>
+        </a:solidFill>
+        <a:latin typeface="+mn-lt"/>
+        <a:ea typeface="+mn-ea"/>
+        <a:cs typeface="+mn-cs"/>
+      </a:defRPr>
+    </a:lvl3pPr>
+    <a:lvl4pPr marL="1371600" algn="l" defTabSz="914400" rtl="0" eaLnBrk="1" latinLnBrk="0" hangingPunct="1">
+      <a:defRPr sz="1200" kern="1200">
+        <a:solidFill>
+          <a:schemeClr val="tx1"/>
+        </a:solidFill>
+        <a:latin typeface="+mn-lt"/>
+        <a:ea typeface="+mn-ea"/>
+        <a:cs typeface="+mn-cs"/>
+      </a:defRPr>
+    </a:lvl4pPr>
+    <a:lvl5pPr marL="1828800" algn="l" defTabSz="914400" rtl="0" eaLnBrk="1" latinLnBrk="0" hangingPunct="1">
+      <a:defRPr sz="1200" kern="1200">
+        <a:solidFill>
+          <a:schemeClr val="tx1"/>
+        </a:solidFill>
+        <a:latin typeface="+mn-lt"/>
+        <a:ea typeface="+mn-ea"/>
+        <a:cs typeface="+mn-cs"/>
+      </a:defRPr>
+    </a:lvl5pPr>
+    <a:lvl6pPr marL="2286000" algn="l" defTabSz="914400" rtl="0" eaLnBrk="1" latinLnBrk="0" hangingPunct="1">
+      <a:defRPr sz="1200" kern="1200">
+        <a:solidFill>
+          <a:schemeClr val="tx1"/>
+        </a:solidFill>
+        <a:latin typeface="+mn-lt"/>
+        <a:ea typeface="+mn-ea"/>
+        <a:cs typeface="+mn-cs"/>
+      </a:defRPr>
+    </a:lvl6pPr>
+    <a:lvl7pPr marL="2743200" algn="l" defTabSz="914400" rtl="0" eaLnBrk="1" latinLnBrk="0" hangingPunct="1">
+      <a:defRPr sz="1200" kern="1200">
+        <a:solidFill>
+          <a:schemeClr val="tx1"/>
+        </a:solidFill>
+        <a:latin typeface="+mn-lt"/>
+        <a:ea typeface="+mn-ea"/>
+        <a:cs typeface="+mn-cs"/>
+      </a:defRPr>
+    </a:lvl7pPr>
+    <a:lvl8pPr marL="3200400" algn="l" defTabSz="914400" rtl="0" eaLnBrk="1" latinLnBrk="0" hangingPunct="1">
+      <a:defRPr sz="1200" kern="1200">
+        <a:solidFill>
+          <a:schemeClr val="tx1"/>
+        </a:solidFill>
+        <a:latin typeface="+mn-lt"/>
+        <a:ea typeface="+mn-ea"/>
+        <a:cs typeface="+mn-cs"/>
+      </a:defRPr>
+    </a:lvl8pPr>
+    <a:lvl9pPr marL="3657600" algn="l" defTabSz="914400" rtl="0" eaLnBrk="1" latinLnBrk="0" hangingPunct="1">
+      <a:defRPr sz="1200" kern="1200">
+        <a:solidFill>
+          <a:schemeClr val="tx1"/>
+        </a:solidFill>
+        <a:latin typeface="+mn-lt"/>
+        <a:ea typeface="+mn-ea"/>
+        <a:cs typeface="+mn-cs"/>
+      </a:defRPr>
+    </a:lvl9pPr>
+  </p:notesStyle>
+</p:notesMaster>
 </file>
 
 <file path=ppt/slideLayouts/slideLayout1.xml><?xml version="1.0" encoding="utf-8"?>
@@ -448,7 +803,7 @@
             <a:fld id="{BA543EDD-D0D2-447F-B24F-3717AF4B109D}" type="datetime1">
               <a:rPr lang="en-US" smtClean="0"/>
               <a:pPr/>
-              <a:t>3/27/2021</a:t>
+              <a:t>3/29/2021</a:t>
             </a:fld>
             <a:endParaRPr lang="en-US" dirty="0"/>
           </a:p>
@@ -779,7 +1134,7 @@
             <a:fld id="{BA543EDD-D0D2-447F-B24F-3717AF4B109D}" type="datetime1">
               <a:rPr lang="en-US" smtClean="0"/>
               <a:pPr/>
-              <a:t>3/27/2021</a:t>
+              <a:t>3/29/2021</a:t>
             </a:fld>
             <a:endParaRPr lang="en-US" dirty="0"/>
           </a:p>
@@ -1034,7 +1389,7 @@
             <a:fld id="{BA543EDD-D0D2-447F-B24F-3717AF4B109D}" type="datetime1">
               <a:rPr lang="en-US" smtClean="0"/>
               <a:pPr/>
-              <a:t>3/27/2021</a:t>
+              <a:t>3/29/2021</a:t>
             </a:fld>
             <a:endParaRPr lang="en-US" dirty="0"/>
           </a:p>
@@ -1380,7 +1735,7 @@
             <a:fld id="{BA543EDD-D0D2-447F-B24F-3717AF4B109D}" type="datetime1">
               <a:rPr lang="en-US" smtClean="0"/>
               <a:pPr/>
-              <a:t>3/27/2021</a:t>
+              <a:t>3/29/2021</a:t>
             </a:fld>
             <a:endParaRPr lang="en-US" dirty="0"/>
           </a:p>
@@ -1734,7 +2089,7 @@
             <a:fld id="{BA543EDD-D0D2-447F-B24F-3717AF4B109D}" type="datetime1">
               <a:rPr lang="en-US" smtClean="0"/>
               <a:pPr/>
-              <a:t>3/27/2021</a:t>
+              <a:t>3/29/2021</a:t>
             </a:fld>
             <a:endParaRPr lang="en-US" dirty="0"/>
           </a:p>
@@ -2115,7 +2470,7 @@
             <a:fld id="{BA543EDD-D0D2-447F-B24F-3717AF4B109D}" type="datetime1">
               <a:rPr lang="en-US" smtClean="0"/>
               <a:pPr/>
-              <a:t>3/27/2021</a:t>
+              <a:t>3/29/2021</a:t>
             </a:fld>
             <a:endParaRPr lang="en-US" dirty="0"/>
           </a:p>
@@ -2592,7 +2947,7 @@
             <a:fld id="{BA543EDD-D0D2-447F-B24F-3717AF4B109D}" type="datetime1">
               <a:rPr lang="en-US" smtClean="0"/>
               <a:pPr/>
-              <a:t>3/27/2021</a:t>
+              <a:t>3/29/2021</a:t>
             </a:fld>
             <a:endParaRPr lang="en-US" dirty="0"/>
           </a:p>
@@ -2804,7 +3159,7 @@
             <a:fld id="{BA543EDD-D0D2-447F-B24F-3717AF4B109D}" type="datetime1">
               <a:rPr lang="en-US" smtClean="0"/>
               <a:pPr/>
-              <a:t>3/27/2021</a:t>
+              <a:t>3/29/2021</a:t>
             </a:fld>
             <a:endParaRPr lang="en-US" dirty="0"/>
           </a:p>
@@ -3022,7 +3377,7 @@
             <a:fld id="{BA543EDD-D0D2-447F-B24F-3717AF4B109D}" type="datetime1">
               <a:rPr lang="en-US" smtClean="0"/>
               <a:pPr/>
-              <a:t>3/27/2021</a:t>
+              <a:t>3/29/2021</a:t>
             </a:fld>
             <a:endParaRPr lang="en-US" dirty="0"/>
           </a:p>
@@ -3261,7 +3616,7 @@
             <a:fld id="{BA543EDD-D0D2-447F-B24F-3717AF4B109D}" type="datetime1">
               <a:rPr lang="en-US" smtClean="0"/>
               <a:pPr/>
-              <a:t>3/27/2021</a:t>
+              <a:t>3/29/2021</a:t>
             </a:fld>
             <a:endParaRPr lang="en-US" dirty="0"/>
           </a:p>
@@ -3516,7 +3871,7 @@
             <a:fld id="{BA543EDD-D0D2-447F-B24F-3717AF4B109D}" type="datetime1">
               <a:rPr lang="en-US" smtClean="0"/>
               <a:pPr/>
-              <a:t>3/27/2021</a:t>
+              <a:t>3/29/2021</a:t>
             </a:fld>
             <a:endParaRPr lang="en-US" dirty="0"/>
           </a:p>
@@ -3821,7 +4176,7 @@
             <a:fld id="{BA543EDD-D0D2-447F-B24F-3717AF4B109D}" type="datetime1">
               <a:rPr lang="en-US" smtClean="0"/>
               <a:pPr/>
-              <a:t>3/27/2021</a:t>
+              <a:t>3/29/2021</a:t>
             </a:fld>
             <a:endParaRPr lang="en-US" dirty="0"/>
           </a:p>
@@ -4222,7 +4577,7 @@
             <a:fld id="{BA543EDD-D0D2-447F-B24F-3717AF4B109D}" type="datetime1">
               <a:rPr lang="en-US" smtClean="0"/>
               <a:pPr/>
-              <a:t>3/27/2021</a:t>
+              <a:t>3/29/2021</a:t>
             </a:fld>
             <a:endParaRPr lang="en-US" dirty="0"/>
           </a:p>
@@ -4378,7 +4733,7 @@
             <a:fld id="{BA543EDD-D0D2-447F-B24F-3717AF4B109D}" type="datetime1">
               <a:rPr lang="en-US" smtClean="0"/>
               <a:pPr/>
-              <a:t>3/27/2021</a:t>
+              <a:t>3/29/2021</a:t>
             </a:fld>
             <a:endParaRPr lang="en-US" dirty="0"/>
           </a:p>
@@ -4511,7 +4866,7 @@
             <a:fld id="{BA543EDD-D0D2-447F-B24F-3717AF4B109D}" type="datetime1">
               <a:rPr lang="en-US" smtClean="0"/>
               <a:pPr/>
-              <a:t>3/27/2021</a:t>
+              <a:t>3/29/2021</a:t>
             </a:fld>
             <a:endParaRPr lang="en-US" dirty="0"/>
           </a:p>
@@ -4773,7 +5128,7 @@
             <a:fld id="{BA543EDD-D0D2-447F-B24F-3717AF4B109D}" type="datetime1">
               <a:rPr lang="en-US" smtClean="0"/>
               <a:pPr/>
-              <a:t>3/27/2021</a:t>
+              <a:t>3/29/2021</a:t>
             </a:fld>
             <a:endParaRPr lang="en-US" dirty="0"/>
           </a:p>
@@ -5095,7 +5450,7 @@
             <a:fld id="{BA543EDD-D0D2-447F-B24F-3717AF4B109D}" type="datetime1">
               <a:rPr lang="en-US" smtClean="0"/>
               <a:pPr/>
-              <a:t>3/27/2021</a:t>
+              <a:t>3/29/2021</a:t>
             </a:fld>
             <a:endParaRPr lang="en-US" dirty="0"/>
           </a:p>
@@ -5453,7 +5808,7 @@
             <a:fld id="{BA543EDD-D0D2-447F-B24F-3717AF4B109D}" type="datetime1">
               <a:rPr lang="en-US" smtClean="0"/>
               <a:pPr/>
-              <a:t>3/27/2021</a:t>
+              <a:t>3/29/2021</a:t>
             </a:fld>
             <a:endParaRPr lang="en-US" dirty="0"/>
           </a:p>
@@ -6110,12 +6465,48 @@
           <a:chExt cx="0" cy="0"/>
         </a:xfrm>
       </p:grpSpPr>
-      <p:sp>
-        <p:nvSpPr>
-          <p:cNvPr id="4" name="文本框 3">
+      <p:pic>
+        <p:nvPicPr>
+          <p:cNvPr id="5" name="图片 4" descr="篮球自行车&#10;&#10;中度可信度描述已自动生成">
             <a:extLst>
               <a:ext uri="{FF2B5EF4-FFF2-40B4-BE49-F238E27FC236}">
-                <a16:creationId xmlns:a16="http://schemas.microsoft.com/office/drawing/2014/main" id="{C9BD2F56-9C38-4A52-B64F-59D73397F88C}"/>
+                <a16:creationId xmlns:a16="http://schemas.microsoft.com/office/drawing/2014/main" id="{DCFA4DAA-4397-4146-B25D-3E3B59F43CCD}"/>
+              </a:ext>
+            </a:extLst>
+          </p:cNvPr>
+          <p:cNvPicPr>
+            <a:picLocks noChangeAspect="1"/>
+          </p:cNvPicPr>
+          <p:nvPr/>
+        </p:nvPicPr>
+        <p:blipFill>
+          <a:blip r:embed="rId2">
+            <a:extLst>
+              <a:ext uri="{28A0092B-C50C-407E-A947-70E740481C1C}">
+                <a14:useLocalDpi xmlns:a14="http://schemas.microsoft.com/office/drawing/2010/main" val="0"/>
+              </a:ext>
+            </a:extLst>
+          </a:blip>
+          <a:stretch>
+            <a:fillRect/>
+          </a:stretch>
+        </p:blipFill>
+        <p:spPr>
+          <a:xfrm>
+            <a:off x="835566" y="1018871"/>
+            <a:ext cx="7014222" cy="4671810"/>
+          </a:xfrm>
+          <a:prstGeom prst="rect">
+            <a:avLst/>
+          </a:prstGeom>
+        </p:spPr>
+      </p:pic>
+      <p:sp>
+        <p:nvSpPr>
+          <p:cNvPr id="6" name="文本框 5">
+            <a:extLst>
+              <a:ext uri="{FF2B5EF4-FFF2-40B4-BE49-F238E27FC236}">
+                <a16:creationId xmlns:a16="http://schemas.microsoft.com/office/drawing/2014/main" id="{0FBDA05E-E69B-4BCA-AC18-5F959C42CF0F}"/>
               </a:ext>
             </a:extLst>
           </p:cNvPr>
@@ -6124,8 +6515,8 @@
         </p:nvSpPr>
         <p:spPr>
           <a:xfrm>
-            <a:off x="906293" y="674400"/>
-            <a:ext cx="10379413" cy="5509200"/>
+            <a:off x="8149649" y="2241828"/>
+            <a:ext cx="3039285" cy="707886"/>
           </a:xfrm>
           <a:prstGeom prst="rect">
             <a:avLst/>
@@ -6138,204 +6529,52 @@
           </a:bodyPr>
           <a:lstStyle/>
           <a:p>
-            <a:pPr algn="l"/>
-            <a:r>
-              <a:rPr lang="en-US" altLang="zh-CN" sz="3200" dirty="0">
-                <a:solidFill>
-                  <a:srgbClr val="333333"/>
-                </a:solidFill>
-                <a:latin typeface="arial" panose="020B0604020202020204" pitchFamily="34" charset="0"/>
-              </a:rPr>
-              <a:t>	</a:t>
-            </a:r>
-            <a:r>
-              <a:rPr lang="en-US" altLang="zh-CN" sz="3200" dirty="0">
-                <a:latin typeface="微软雅黑" panose="020B0503020204020204" pitchFamily="34" charset="-122"/>
-                <a:ea typeface="微软雅黑" panose="020B0503020204020204" pitchFamily="34" charset="-122"/>
-              </a:rPr>
-              <a:t>  </a:t>
-            </a:r>
-            <a:r>
-              <a:rPr lang="en-US" altLang="zh-CN" sz="3200" b="0" i="0" dirty="0">
-                <a:effectLst/>
-                <a:latin typeface="微软雅黑" panose="020B0503020204020204" pitchFamily="34" charset="-122"/>
-                <a:ea typeface="微软雅黑" panose="020B0503020204020204" pitchFamily="34" charset="-122"/>
-              </a:rPr>
-              <a:t>《</a:t>
-            </a:r>
-            <a:r>
-              <a:rPr lang="zh-CN" altLang="en-US" sz="3200" b="0" i="0" dirty="0">
-                <a:effectLst/>
-                <a:latin typeface="微软雅黑" panose="020B0503020204020204" pitchFamily="34" charset="-122"/>
-                <a:ea typeface="微软雅黑" panose="020B0503020204020204" pitchFamily="34" charset="-122"/>
-              </a:rPr>
-              <a:t>自私的基因</a:t>
-            </a:r>
-            <a:r>
-              <a:rPr lang="en-US" altLang="zh-CN" sz="3200" b="0" i="0" dirty="0">
-                <a:effectLst/>
-                <a:latin typeface="微软雅黑" panose="020B0503020204020204" pitchFamily="34" charset="-122"/>
-                <a:ea typeface="微软雅黑" panose="020B0503020204020204" pitchFamily="34" charset="-122"/>
-              </a:rPr>
-              <a:t>》</a:t>
-            </a:r>
-            <a:r>
-              <a:rPr lang="zh-CN" altLang="en-US" sz="3200" b="0" i="0" dirty="0">
-                <a:effectLst/>
-                <a:latin typeface="微软雅黑" panose="020B0503020204020204" pitchFamily="34" charset="-122"/>
-                <a:ea typeface="微软雅黑" panose="020B0503020204020204" pitchFamily="34" charset="-122"/>
-              </a:rPr>
-              <a:t>是英国演化理论学者</a:t>
-            </a:r>
-            <a:r>
-              <a:rPr lang="zh-CN" altLang="en-US" sz="3200" b="0" i="0" strike="noStrike" dirty="0">
-                <a:effectLst/>
-                <a:latin typeface="微软雅黑" panose="020B0503020204020204" pitchFamily="34" charset="-122"/>
-                <a:ea typeface="微软雅黑" panose="020B0503020204020204" pitchFamily="34" charset="-122"/>
-              </a:rPr>
-              <a:t>理查德</a:t>
-            </a:r>
-            <a:r>
-              <a:rPr lang="en-US" altLang="zh-CN" sz="3200" b="0" i="0" strike="noStrike" dirty="0">
-                <a:effectLst/>
-                <a:latin typeface="微软雅黑" panose="020B0503020204020204" pitchFamily="34" charset="-122"/>
-                <a:ea typeface="微软雅黑" panose="020B0503020204020204" pitchFamily="34" charset="-122"/>
-              </a:rPr>
-              <a:t>·</a:t>
-            </a:r>
-            <a:r>
-              <a:rPr lang="zh-CN" altLang="en-US" sz="3200" b="0" i="0" strike="noStrike" dirty="0">
-                <a:effectLst/>
-                <a:latin typeface="微软雅黑" panose="020B0503020204020204" pitchFamily="34" charset="-122"/>
-                <a:ea typeface="微软雅黑" panose="020B0503020204020204" pitchFamily="34" charset="-122"/>
-              </a:rPr>
-              <a:t>道金斯</a:t>
-            </a:r>
-            <a:r>
-              <a:rPr lang="zh-CN" altLang="en-US" sz="3200" b="0" i="0" dirty="0">
-                <a:effectLst/>
-                <a:latin typeface="微软雅黑" panose="020B0503020204020204" pitchFamily="34" charset="-122"/>
-                <a:ea typeface="微软雅黑" panose="020B0503020204020204" pitchFamily="34" charset="-122"/>
-              </a:rPr>
-              <a:t>创作的科普读物，首次出版于</a:t>
-            </a:r>
-            <a:r>
-              <a:rPr lang="en-US" altLang="zh-CN" sz="3200" b="0" i="0" dirty="0">
-                <a:effectLst/>
-                <a:latin typeface="微软雅黑" panose="020B0503020204020204" pitchFamily="34" charset="-122"/>
-                <a:ea typeface="微软雅黑" panose="020B0503020204020204" pitchFamily="34" charset="-122"/>
-              </a:rPr>
-              <a:t>1976</a:t>
-            </a:r>
-            <a:r>
-              <a:rPr lang="zh-CN" altLang="en-US" sz="3200" b="0" i="0" dirty="0">
-                <a:effectLst/>
-                <a:latin typeface="微软雅黑" panose="020B0503020204020204" pitchFamily="34" charset="-122"/>
-                <a:ea typeface="微软雅黑" panose="020B0503020204020204" pitchFamily="34" charset="-122"/>
-              </a:rPr>
-              <a:t>年。</a:t>
-            </a:r>
-          </a:p>
-          <a:p>
-            <a:pPr algn="l"/>
-            <a:r>
-              <a:rPr lang="en-US" altLang="zh-CN" sz="3200" b="0" i="0" dirty="0">
-                <a:effectLst/>
-                <a:latin typeface="微软雅黑" panose="020B0503020204020204" pitchFamily="34" charset="-122"/>
-                <a:ea typeface="微软雅黑" panose="020B0503020204020204" pitchFamily="34" charset="-122"/>
-              </a:rPr>
-              <a:t>		</a:t>
-            </a:r>
-            <a:r>
-              <a:rPr lang="zh-CN" altLang="en-US" sz="3200" b="0" i="0" dirty="0">
-                <a:effectLst/>
-                <a:latin typeface="微软雅黑" panose="020B0503020204020204" pitchFamily="34" charset="-122"/>
-                <a:ea typeface="微软雅黑" panose="020B0503020204020204" pitchFamily="34" charset="-122"/>
-              </a:rPr>
-              <a:t>作者在</a:t>
-            </a:r>
-            <a:r>
-              <a:rPr lang="en-US" altLang="zh-CN" sz="3200" b="0" i="0" dirty="0">
-                <a:effectLst/>
-                <a:latin typeface="微软雅黑" panose="020B0503020204020204" pitchFamily="34" charset="-122"/>
-                <a:ea typeface="微软雅黑" panose="020B0503020204020204" pitchFamily="34" charset="-122"/>
-              </a:rPr>
-              <a:t>《</a:t>
-            </a:r>
-            <a:r>
-              <a:rPr lang="zh-CN" altLang="en-US" sz="3200" b="0" i="0" dirty="0">
-                <a:effectLst/>
-                <a:latin typeface="微软雅黑" panose="020B0503020204020204" pitchFamily="34" charset="-122"/>
-                <a:ea typeface="微软雅黑" panose="020B0503020204020204" pitchFamily="34" charset="-122"/>
-              </a:rPr>
-              <a:t>自私的基因</a:t>
-            </a:r>
-            <a:r>
-              <a:rPr lang="en-US" altLang="zh-CN" sz="3200" b="0" i="0" dirty="0">
-                <a:effectLst/>
-                <a:latin typeface="微软雅黑" panose="020B0503020204020204" pitchFamily="34" charset="-122"/>
-                <a:ea typeface="微软雅黑" panose="020B0503020204020204" pitchFamily="34" charset="-122"/>
-              </a:rPr>
-              <a:t>》</a:t>
-            </a:r>
-            <a:r>
-              <a:rPr lang="zh-CN" altLang="en-US" sz="3200" b="0" i="0" dirty="0">
-                <a:effectLst/>
-                <a:latin typeface="微软雅黑" panose="020B0503020204020204" pitchFamily="34" charset="-122"/>
-                <a:ea typeface="微软雅黑" panose="020B0503020204020204" pitchFamily="34" charset="-122"/>
-              </a:rPr>
-              <a:t>中提出：人们生来是自私的。人类窥见了社会关系中基本的对称性和逻辑性，在人们有了更充分的理解之后，人们的政治见解当会重新获得活力，并对心理学的科学研究提供理论上的支柱。在这一过程中，人们也必将对自己受苦受难的许多根源有一个更深刻的理解。</a:t>
-            </a:r>
-          </a:p>
-          <a:p>
-            <a:pPr algn="l"/>
-            <a:r>
-              <a:rPr lang="en-US" altLang="zh-CN" sz="3200" b="0" i="0" dirty="0">
-                <a:effectLst/>
-                <a:latin typeface="微软雅黑" panose="020B0503020204020204" pitchFamily="34" charset="-122"/>
-                <a:ea typeface="微软雅黑" panose="020B0503020204020204" pitchFamily="34" charset="-122"/>
-              </a:rPr>
-              <a:t>	   </a:t>
-            </a:r>
-            <a:r>
-              <a:rPr lang="zh-CN" altLang="en-US" sz="3200" b="0" i="0" dirty="0">
-                <a:effectLst/>
-                <a:latin typeface="微软雅黑" panose="020B0503020204020204" pitchFamily="34" charset="-122"/>
-                <a:ea typeface="微软雅黑" panose="020B0503020204020204" pitchFamily="34" charset="-122"/>
-              </a:rPr>
-              <a:t>道金斯在</a:t>
-            </a:r>
-            <a:r>
-              <a:rPr lang="en-US" altLang="zh-CN" sz="3200" b="0" i="0" dirty="0">
-                <a:effectLst/>
-                <a:latin typeface="微软雅黑" panose="020B0503020204020204" pitchFamily="34" charset="-122"/>
-                <a:ea typeface="微软雅黑" panose="020B0503020204020204" pitchFamily="34" charset="-122"/>
-              </a:rPr>
-              <a:t>《</a:t>
-            </a:r>
-            <a:r>
-              <a:rPr lang="zh-CN" altLang="en-US" sz="3200" b="0" i="0" dirty="0">
-                <a:effectLst/>
-                <a:latin typeface="微软雅黑" panose="020B0503020204020204" pitchFamily="34" charset="-122"/>
-                <a:ea typeface="微软雅黑" panose="020B0503020204020204" pitchFamily="34" charset="-122"/>
-              </a:rPr>
-              <a:t>自私的基因</a:t>
-            </a:r>
-            <a:r>
-              <a:rPr lang="en-US" altLang="zh-CN" sz="3200" b="0" i="0" dirty="0">
-                <a:effectLst/>
-                <a:latin typeface="微软雅黑" panose="020B0503020204020204" pitchFamily="34" charset="-122"/>
-                <a:ea typeface="微软雅黑" panose="020B0503020204020204" pitchFamily="34" charset="-122"/>
-              </a:rPr>
-              <a:t>》</a:t>
-            </a:r>
-            <a:r>
-              <a:rPr lang="zh-CN" altLang="en-US" sz="3200" b="0" i="0" dirty="0">
-                <a:effectLst/>
-                <a:latin typeface="微软雅黑" panose="020B0503020204020204" pitchFamily="34" charset="-122"/>
-                <a:ea typeface="微软雅黑" panose="020B0503020204020204" pitchFamily="34" charset="-122"/>
-              </a:rPr>
-              <a:t>中的突破性贡献在于，把根据自然选择的社会学说的这一重要部分，用简明通俗的形式，妙趣横生的语言介绍给读者。</a:t>
+            <a:r>
+              <a:rPr lang="zh-CN" altLang="en-US" sz="4000" dirty="0"/>
+              <a:t>这是什么？</a:t>
+            </a:r>
+          </a:p>
+        </p:txBody>
+      </p:sp>
+      <p:sp>
+        <p:nvSpPr>
+          <p:cNvPr id="7" name="文本框 6">
+            <a:extLst>
+              <a:ext uri="{FF2B5EF4-FFF2-40B4-BE49-F238E27FC236}">
+                <a16:creationId xmlns:a16="http://schemas.microsoft.com/office/drawing/2014/main" id="{9CC9EBF1-BC4B-45AD-A71E-C658FFA1ED61}"/>
+              </a:ext>
+            </a:extLst>
+          </p:cNvPr>
+          <p:cNvSpPr txBox="1"/>
+          <p:nvPr/>
+        </p:nvSpPr>
+        <p:spPr>
+          <a:xfrm>
+            <a:off x="8540884" y="3908286"/>
+            <a:ext cx="2256817" cy="461665"/>
+          </a:xfrm>
+          <a:prstGeom prst="rect">
+            <a:avLst/>
+          </a:prstGeom>
+          <a:noFill/>
+        </p:spPr>
+        <p:txBody>
+          <a:bodyPr wrap="square" rtlCol="0">
+            <a:spAutoFit/>
+          </a:bodyPr>
+          <a:lstStyle/>
+          <a:p>
+            <a:r>
+              <a:rPr lang="zh-CN" altLang="en-US" sz="2400" dirty="0"/>
+              <a:t>基因（</a:t>
+            </a:r>
+            <a:r>
+              <a:rPr lang="en-US" altLang="zh-CN" sz="2400" dirty="0"/>
+              <a:t>DNA</a:t>
+            </a:r>
+            <a:r>
+              <a:rPr lang="zh-CN" altLang="en-US" sz="2400" dirty="0"/>
+              <a:t>）</a:t>
             </a:r>
           </a:p>
         </p:txBody>
@@ -6343,13 +6582,145 @@
     </p:spTree>
     <p:extLst>
       <p:ext uri="{BB962C8B-B14F-4D97-AF65-F5344CB8AC3E}">
-        <p14:creationId xmlns:p14="http://schemas.microsoft.com/office/powerpoint/2010/main" val="3481095782"/>
+        <p14:creationId xmlns:p14="http://schemas.microsoft.com/office/powerpoint/2010/main" val="1693837123"/>
       </p:ext>
     </p:extLst>
   </p:cSld>
   <p:clrMapOvr>
     <a:masterClrMapping/>
   </p:clrMapOvr>
+  <p:timing>
+    <p:tnLst>
+      <p:par>
+        <p:cTn id="1" dur="indefinite" restart="never" nodeType="tmRoot">
+          <p:childTnLst>
+            <p:seq concurrent="1" nextAc="seek">
+              <p:cTn id="2" dur="indefinite" nodeType="mainSeq">
+                <p:childTnLst>
+                  <p:par>
+                    <p:cTn id="3" fill="hold">
+                      <p:stCondLst>
+                        <p:cond delay="indefinite"/>
+                      </p:stCondLst>
+                      <p:childTnLst>
+                        <p:par>
+                          <p:cTn id="4" fill="hold">
+                            <p:stCondLst>
+                              <p:cond delay="0"/>
+                            </p:stCondLst>
+                            <p:childTnLst>
+                              <p:par>
+                                <p:cTn id="5" presetID="42" presetClass="entr" presetSubtype="0" fill="hold" grpId="0" nodeType="clickEffect">
+                                  <p:stCondLst>
+                                    <p:cond delay="0"/>
+                                  </p:stCondLst>
+                                  <p:childTnLst>
+                                    <p:set>
+                                      <p:cBhvr>
+                                        <p:cTn id="6" dur="1" fill="hold">
+                                          <p:stCondLst>
+                                            <p:cond delay="0"/>
+                                          </p:stCondLst>
+                                        </p:cTn>
+                                        <p:tgtEl>
+                                          <p:spTgt spid="7"/>
+                                        </p:tgtEl>
+                                        <p:attrNameLst>
+                                          <p:attrName>style.visibility</p:attrName>
+                                        </p:attrNameLst>
+                                      </p:cBhvr>
+                                      <p:to>
+                                        <p:strVal val="visible"/>
+                                      </p:to>
+                                    </p:set>
+                                    <p:animEffect transition="in" filter="fade">
+                                      <p:cBhvr>
+                                        <p:cTn id="7" dur="1000"/>
+                                        <p:tgtEl>
+                                          <p:spTgt spid="7"/>
+                                        </p:tgtEl>
+                                      </p:cBhvr>
+                                    </p:animEffect>
+                                    <p:anim calcmode="lin" valueType="num">
+                                      <p:cBhvr>
+                                        <p:cTn id="8" dur="1000" fill="hold"/>
+                                        <p:tgtEl>
+                                          <p:spTgt spid="7"/>
+                                        </p:tgtEl>
+                                        <p:attrNameLst>
+                                          <p:attrName>ppt_x</p:attrName>
+                                        </p:attrNameLst>
+                                      </p:cBhvr>
+                                      <p:tavLst>
+                                        <p:tav tm="0">
+                                          <p:val>
+                                            <p:strVal val="#ppt_x"/>
+                                          </p:val>
+                                        </p:tav>
+                                        <p:tav tm="100000">
+                                          <p:val>
+                                            <p:strVal val="#ppt_x"/>
+                                          </p:val>
+                                        </p:tav>
+                                      </p:tavLst>
+                                    </p:anim>
+                                    <p:anim calcmode="lin" valueType="num">
+                                      <p:cBhvr>
+                                        <p:cTn id="9" dur="1000" fill="hold"/>
+                                        <p:tgtEl>
+                                          <p:spTgt spid="7"/>
+                                        </p:tgtEl>
+                                        <p:attrNameLst>
+                                          <p:attrName>ppt_y</p:attrName>
+                                        </p:attrNameLst>
+                                      </p:cBhvr>
+                                      <p:tavLst>
+                                        <p:tav tm="0">
+                                          <p:val>
+                                            <p:strVal val="#ppt_y+.1"/>
+                                          </p:val>
+                                        </p:tav>
+                                        <p:tav tm="100000">
+                                          <p:val>
+                                            <p:strVal val="#ppt_y"/>
+                                          </p:val>
+                                        </p:tav>
+                                      </p:tavLst>
+                                    </p:anim>
+                                  </p:childTnLst>
+                                </p:cTn>
+                              </p:par>
+                            </p:childTnLst>
+                          </p:cTn>
+                        </p:par>
+                      </p:childTnLst>
+                    </p:cTn>
+                  </p:par>
+                </p:childTnLst>
+              </p:cTn>
+              <p:prevCondLst>
+                <p:cond evt="onPrev" delay="0">
+                  <p:tgtEl>
+                    <p:sldTgt/>
+                  </p:tgtEl>
+                </p:cond>
+              </p:prevCondLst>
+              <p:nextCondLst>
+                <p:cond evt="onNext" delay="0">
+                  <p:tgtEl>
+                    <p:sldTgt/>
+                  </p:tgtEl>
+                </p:cond>
+              </p:nextCondLst>
+            </p:seq>
+          </p:childTnLst>
+        </p:cTn>
+      </p:par>
+    </p:tnLst>
+    <p:bldLst>
+      <p:bldP spid="7" grpId="0"/>
+    </p:bldLst>
+  </p:timing>
 </p:sld>
 </file>
 
@@ -6370,256 +6741,46 @@
           <a:chExt cx="0" cy="0"/>
         </a:xfrm>
       </p:grpSpPr>
-      <p:sp>
-        <p:nvSpPr>
-          <p:cNvPr id="2" name="文本框 1">
+      <p:pic>
+        <p:nvPicPr>
+          <p:cNvPr id="8" name="图片 7" descr="文本&#10;&#10;描述已自动生成">
             <a:extLst>
               <a:ext uri="{FF2B5EF4-FFF2-40B4-BE49-F238E27FC236}">
-                <a16:creationId xmlns:a16="http://schemas.microsoft.com/office/drawing/2014/main" id="{DC2B3EA5-75F0-40ED-9B61-9D5044A5D319}"/>
+                <a16:creationId xmlns:a16="http://schemas.microsoft.com/office/drawing/2014/main" id="{AD29E899-80C3-4293-B546-8C870FC9E40E}"/>
               </a:ext>
             </a:extLst>
           </p:cNvPr>
-          <p:cNvSpPr txBox="1"/>
+          <p:cNvPicPr>
+            <a:picLocks noChangeAspect="1"/>
+          </p:cNvPicPr>
           <p:nvPr/>
-        </p:nvSpPr>
+        </p:nvPicPr>
+        <p:blipFill>
+          <a:blip r:embed="rId2">
+            <a:extLst>
+              <a:ext uri="{28A0092B-C50C-407E-A947-70E740481C1C}">
+                <a14:useLocalDpi xmlns:a14="http://schemas.microsoft.com/office/drawing/2010/main" val="0"/>
+              </a:ext>
+            </a:extLst>
+          </a:blip>
+          <a:stretch>
+            <a:fillRect/>
+          </a:stretch>
+        </p:blipFill>
         <p:spPr>
           <a:xfrm>
-            <a:off x="583660" y="573932"/>
-            <a:ext cx="3103123" cy="646331"/>
+            <a:off x="1089499" y="739302"/>
+            <a:ext cx="9840070" cy="5535039"/>
           </a:xfrm>
           <a:prstGeom prst="rect">
             <a:avLst/>
           </a:prstGeom>
-          <a:noFill/>
         </p:spPr>
-        <p:txBody>
-          <a:bodyPr wrap="square" rtlCol="0">
-            <a:spAutoFit/>
-          </a:bodyPr>
-          <a:lstStyle/>
-          <a:p>
-            <a:r>
-              <a:rPr lang="zh-CN" altLang="en-US" sz="3600" b="0" i="0" dirty="0">
-                <a:solidFill>
-                  <a:srgbClr val="333333"/>
-                </a:solidFill>
-                <a:effectLst/>
-                <a:latin typeface="arial" panose="020B0604020202020204" pitchFamily="34" charset="0"/>
-              </a:rPr>
-              <a:t>理查德</a:t>
-            </a:r>
-            <a:r>
-              <a:rPr lang="en-US" altLang="zh-CN" sz="3600" b="0" i="0" dirty="0">
-                <a:solidFill>
-                  <a:srgbClr val="333333"/>
-                </a:solidFill>
-                <a:effectLst/>
-                <a:latin typeface="arial" panose="020B0604020202020204" pitchFamily="34" charset="0"/>
-              </a:rPr>
-              <a:t>·</a:t>
-            </a:r>
-            <a:r>
-              <a:rPr lang="zh-CN" altLang="en-US" sz="3600" b="0" i="0" dirty="0">
-                <a:solidFill>
-                  <a:srgbClr val="333333"/>
-                </a:solidFill>
-                <a:effectLst/>
-                <a:latin typeface="arial" panose="020B0604020202020204" pitchFamily="34" charset="0"/>
-              </a:rPr>
-              <a:t>道金斯</a:t>
-            </a:r>
-            <a:endParaRPr lang="zh-CN" altLang="en-US" sz="3600" dirty="0"/>
-          </a:p>
-        </p:txBody>
-      </p:sp>
-      <p:sp>
-        <p:nvSpPr>
-          <p:cNvPr id="4" name="文本框 3">
-            <a:extLst>
-              <a:ext uri="{FF2B5EF4-FFF2-40B4-BE49-F238E27FC236}">
-                <a16:creationId xmlns:a16="http://schemas.microsoft.com/office/drawing/2014/main" id="{36270A48-F8CD-465C-B066-C2BE4676F980}"/>
-              </a:ext>
-            </a:extLst>
-          </p:cNvPr>
-          <p:cNvSpPr txBox="1"/>
-          <p:nvPr/>
-        </p:nvSpPr>
-        <p:spPr>
-          <a:xfrm>
-            <a:off x="749030" y="1322962"/>
-            <a:ext cx="10768519" cy="5016758"/>
-          </a:xfrm>
-          <a:prstGeom prst="rect">
-            <a:avLst/>
-          </a:prstGeom>
-          <a:noFill/>
-        </p:spPr>
-        <p:txBody>
-          <a:bodyPr wrap="square" rtlCol="0">
-            <a:spAutoFit/>
-          </a:bodyPr>
-          <a:lstStyle/>
-          <a:p>
-            <a:r>
-              <a:rPr lang="en-US" altLang="zh-CN" sz="3200" dirty="0"/>
-              <a:t>	</a:t>
-            </a:r>
-            <a:r>
-              <a:rPr lang="zh-CN" altLang="en-US" sz="3200" dirty="0">
-                <a:latin typeface="微软雅黑 Light" panose="020B0502040204020203" pitchFamily="34" charset="-122"/>
-                <a:ea typeface="微软雅黑 Light" panose="020B0502040204020203" pitchFamily="34" charset="-122"/>
-              </a:rPr>
-              <a:t>理查德</a:t>
-            </a:r>
-            <a:r>
-              <a:rPr lang="en-US" altLang="zh-CN" sz="3200" dirty="0">
-                <a:latin typeface="微软雅黑 Light" panose="020B0502040204020203" pitchFamily="34" charset="-122"/>
-                <a:ea typeface="微软雅黑 Light" panose="020B0502040204020203" pitchFamily="34" charset="-122"/>
-              </a:rPr>
-              <a:t>·</a:t>
-            </a:r>
-            <a:r>
-              <a:rPr lang="zh-CN" altLang="en-US" sz="3200" dirty="0">
-                <a:latin typeface="微软雅黑 Light" panose="020B0502040204020203" pitchFamily="34" charset="-122"/>
-                <a:ea typeface="微软雅黑 Light" panose="020B0502040204020203" pitchFamily="34" charset="-122"/>
-              </a:rPr>
-              <a:t>道金斯（</a:t>
-            </a:r>
-            <a:r>
-              <a:rPr lang="en-US" altLang="zh-CN" sz="3200" dirty="0">
-                <a:latin typeface="微软雅黑 Light" panose="020B0502040204020203" pitchFamily="34" charset="-122"/>
-                <a:ea typeface="微软雅黑 Light" panose="020B0502040204020203" pitchFamily="34" charset="-122"/>
-              </a:rPr>
-              <a:t>Richard Dawkins</a:t>
-            </a:r>
-            <a:r>
-              <a:rPr lang="zh-CN" altLang="en-US" sz="3200" dirty="0">
-                <a:latin typeface="微软雅黑 Light" panose="020B0502040204020203" pitchFamily="34" charset="-122"/>
-                <a:ea typeface="微软雅黑 Light" panose="020B0502040204020203" pitchFamily="34" charset="-122"/>
-              </a:rPr>
-              <a:t>，</a:t>
-            </a:r>
-            <a:r>
-              <a:rPr lang="en-US" altLang="zh-CN" sz="3200" dirty="0">
-                <a:latin typeface="微软雅黑 Light" panose="020B0502040204020203" pitchFamily="34" charset="-122"/>
-                <a:ea typeface="微软雅黑 Light" panose="020B0502040204020203" pitchFamily="34" charset="-122"/>
-              </a:rPr>
-              <a:t>1941</a:t>
-            </a:r>
-            <a:r>
-              <a:rPr lang="zh-CN" altLang="en-US" sz="3200" dirty="0">
-                <a:latin typeface="微软雅黑 Light" panose="020B0502040204020203" pitchFamily="34" charset="-122"/>
-                <a:ea typeface="微软雅黑 Light" panose="020B0502040204020203" pitchFamily="34" charset="-122"/>
-              </a:rPr>
-              <a:t>年</a:t>
-            </a:r>
-            <a:r>
-              <a:rPr lang="en-US" altLang="zh-CN" sz="3200" dirty="0">
-                <a:latin typeface="微软雅黑 Light" panose="020B0502040204020203" pitchFamily="34" charset="-122"/>
-                <a:ea typeface="微软雅黑 Light" panose="020B0502040204020203" pitchFamily="34" charset="-122"/>
-              </a:rPr>
-              <a:t>3</a:t>
-            </a:r>
-            <a:r>
-              <a:rPr lang="zh-CN" altLang="en-US" sz="3200" dirty="0">
-                <a:latin typeface="微软雅黑 Light" panose="020B0502040204020203" pitchFamily="34" charset="-122"/>
-                <a:ea typeface="微软雅黑 Light" panose="020B0502040204020203" pitchFamily="34" charset="-122"/>
-              </a:rPr>
-              <a:t>月</a:t>
-            </a:r>
-            <a:r>
-              <a:rPr lang="en-US" altLang="zh-CN" sz="3200" dirty="0">
-                <a:latin typeface="微软雅黑 Light" panose="020B0502040204020203" pitchFamily="34" charset="-122"/>
-                <a:ea typeface="微软雅黑 Light" panose="020B0502040204020203" pitchFamily="34" charset="-122"/>
-              </a:rPr>
-              <a:t>26</a:t>
-            </a:r>
-            <a:r>
-              <a:rPr lang="zh-CN" altLang="en-US" sz="3200" dirty="0">
-                <a:latin typeface="微软雅黑 Light" panose="020B0502040204020203" pitchFamily="34" charset="-122"/>
-                <a:ea typeface="微软雅黑 Light" panose="020B0502040204020203" pitchFamily="34" charset="-122"/>
-              </a:rPr>
-              <a:t>日－），英国著名演化生物学家、动物行为学家和科普作家，英国皇家科学院院士，牛津大学教授，是当今仍在世的最著名、最直言不讳的无神论者和演化论拥护者之一，有“达尔文的罗威纳犬”（</a:t>
-            </a:r>
-            <a:r>
-              <a:rPr lang="en-US" altLang="zh-CN" sz="3200" dirty="0">
-                <a:latin typeface="微软雅黑 Light" panose="020B0502040204020203" pitchFamily="34" charset="-122"/>
-                <a:ea typeface="微软雅黑 Light" panose="020B0502040204020203" pitchFamily="34" charset="-122"/>
-              </a:rPr>
-              <a:t>Darwin's Rottweiler</a:t>
-            </a:r>
-            <a:r>
-              <a:rPr lang="zh-CN" altLang="en-US" sz="3200" dirty="0">
-                <a:latin typeface="微软雅黑 Light" panose="020B0502040204020203" pitchFamily="34" charset="-122"/>
-                <a:ea typeface="微软雅黑 Light" panose="020B0502040204020203" pitchFamily="34" charset="-122"/>
-              </a:rPr>
-              <a:t>）的称号。道金斯原为牛津大学科普教授，现任英国人文主义协会副主席，并担任英国皇家学会会士、英国皇家文学会会士同英国世俗公会荣誉会员。</a:t>
-            </a:r>
-          </a:p>
-          <a:p>
-            <a:r>
-              <a:rPr lang="en-US" altLang="zh-CN" sz="3200" dirty="0">
-                <a:latin typeface="微软雅黑 Light" panose="020B0502040204020203" pitchFamily="34" charset="-122"/>
-                <a:ea typeface="微软雅黑 Light" panose="020B0502040204020203" pitchFamily="34" charset="-122"/>
-              </a:rPr>
-              <a:t>	</a:t>
-            </a:r>
-            <a:r>
-              <a:rPr lang="zh-CN" altLang="en-US" sz="3200" dirty="0">
-                <a:latin typeface="微软雅黑 Light" panose="020B0502040204020203" pitchFamily="34" charset="-122"/>
-                <a:ea typeface="微软雅黑 Light" panose="020B0502040204020203" pitchFamily="34" charset="-122"/>
-              </a:rPr>
-              <a:t>道金斯同美国哲学家丹尼尔</a:t>
-            </a:r>
-            <a:r>
-              <a:rPr lang="en-US" altLang="zh-CN" sz="3200" dirty="0">
-                <a:latin typeface="微软雅黑 Light" panose="020B0502040204020203" pitchFamily="34" charset="-122"/>
-                <a:ea typeface="微软雅黑 Light" panose="020B0502040204020203" pitchFamily="34" charset="-122"/>
-              </a:rPr>
-              <a:t>·</a:t>
-            </a:r>
-            <a:r>
-              <a:rPr lang="zh-CN" altLang="en-US" sz="3200" dirty="0">
-                <a:latin typeface="微软雅黑 Light" panose="020B0502040204020203" pitchFamily="34" charset="-122"/>
-                <a:ea typeface="微软雅黑 Light" panose="020B0502040204020203" pitchFamily="34" charset="-122"/>
-              </a:rPr>
-              <a:t>丹尼特、神经科学家山姆</a:t>
-            </a:r>
-            <a:r>
-              <a:rPr lang="en-US" altLang="zh-CN" sz="3200" dirty="0">
-                <a:latin typeface="微软雅黑 Light" panose="020B0502040204020203" pitchFamily="34" charset="-122"/>
-                <a:ea typeface="微软雅黑 Light" panose="020B0502040204020203" pitchFamily="34" charset="-122"/>
-              </a:rPr>
-              <a:t>·</a:t>
-            </a:r>
-            <a:r>
-              <a:rPr lang="zh-CN" altLang="en-US" sz="3200" dirty="0">
-                <a:latin typeface="微软雅黑 Light" panose="020B0502040204020203" pitchFamily="34" charset="-122"/>
-                <a:ea typeface="微软雅黑 Light" panose="020B0502040204020203" pitchFamily="34" charset="-122"/>
-              </a:rPr>
-              <a:t>哈里斯和已故的英裔美国作家克里斯托弗</a:t>
-            </a:r>
-            <a:r>
-              <a:rPr lang="en-US" altLang="zh-CN" sz="3200" dirty="0">
-                <a:latin typeface="微软雅黑 Light" panose="020B0502040204020203" pitchFamily="34" charset="-122"/>
-                <a:ea typeface="微软雅黑 Light" panose="020B0502040204020203" pitchFamily="34" charset="-122"/>
-              </a:rPr>
-              <a:t>·</a:t>
-            </a:r>
-            <a:r>
-              <a:rPr lang="zh-CN" altLang="en-US" sz="3200" dirty="0">
-                <a:latin typeface="微软雅黑 Light" panose="020B0502040204020203" pitchFamily="34" charset="-122"/>
-                <a:ea typeface="微软雅黑 Light" panose="020B0502040204020203" pitchFamily="34" charset="-122"/>
-              </a:rPr>
-              <a:t>希钦斯常常一起被称为“新无神论的四骑士”。</a:t>
-            </a:r>
-          </a:p>
-        </p:txBody>
-      </p:sp>
+      </p:pic>
     </p:spTree>
     <p:extLst>
       <p:ext uri="{BB962C8B-B14F-4D97-AF65-F5344CB8AC3E}">
-        <p14:creationId xmlns:p14="http://schemas.microsoft.com/office/powerpoint/2010/main" val="2321601101"/>
+        <p14:creationId xmlns:p14="http://schemas.microsoft.com/office/powerpoint/2010/main" val="2854401012"/>
       </p:ext>
     </p:extLst>
   </p:cSld>
@@ -6648,10 +6809,10 @@
       </p:grpSpPr>
       <p:sp>
         <p:nvSpPr>
-          <p:cNvPr id="2" name="文本框 1">
+          <p:cNvPr id="4" name="文本框 3">
             <a:extLst>
               <a:ext uri="{FF2B5EF4-FFF2-40B4-BE49-F238E27FC236}">
-                <a16:creationId xmlns:a16="http://schemas.microsoft.com/office/drawing/2014/main" id="{8896EBE0-6C42-4567-A040-61936B389D51}"/>
+                <a16:creationId xmlns:a16="http://schemas.microsoft.com/office/drawing/2014/main" id="{C9BD2F56-9C38-4A52-B64F-59D73397F88C}"/>
               </a:ext>
             </a:extLst>
           </p:cNvPr>
@@ -6660,8 +6821,8 @@
         </p:nvSpPr>
         <p:spPr>
           <a:xfrm>
-            <a:off x="817123" y="749030"/>
-            <a:ext cx="1974715" cy="584775"/>
+            <a:off x="906293" y="674400"/>
+            <a:ext cx="10379413" cy="5509200"/>
           </a:xfrm>
           <a:prstGeom prst="rect">
             <a:avLst/>
@@ -6674,74 +6835,212 @@
           </a:bodyPr>
           <a:lstStyle/>
           <a:p>
-            <a:r>
-              <a:rPr lang="zh-CN" altLang="en-US" sz="3200" dirty="0"/>
-              <a:t>内容简介</a:t>
-            </a:r>
-          </a:p>
-        </p:txBody>
-      </p:sp>
-      <p:sp>
-        <p:nvSpPr>
-          <p:cNvPr id="3" name="文本框 2">
-            <a:extLst>
-              <a:ext uri="{FF2B5EF4-FFF2-40B4-BE49-F238E27FC236}">
-                <a16:creationId xmlns:a16="http://schemas.microsoft.com/office/drawing/2014/main" id="{F8240D61-CC45-41CC-8268-01D80392B659}"/>
-              </a:ext>
-            </a:extLst>
-          </p:cNvPr>
-          <p:cNvSpPr txBox="1"/>
-          <p:nvPr/>
-        </p:nvSpPr>
-        <p:spPr>
-          <a:xfrm>
-            <a:off x="872245" y="1220821"/>
-            <a:ext cx="10502631" cy="4893647"/>
-          </a:xfrm>
-          <a:prstGeom prst="rect">
-            <a:avLst/>
-          </a:prstGeom>
-          <a:noFill/>
-        </p:spPr>
-        <p:txBody>
-          <a:bodyPr wrap="square" rtlCol="0">
-            <a:spAutoFit/>
-          </a:bodyPr>
-          <a:lstStyle/>
-          <a:p>
-            <a:r>
-              <a:rPr lang="en-US" altLang="zh-CN" sz="2400" b="0" i="0" dirty="0">
+            <a:pPr algn="l"/>
+            <a:r>
+              <a:rPr lang="en-US" altLang="zh-CN" sz="3200" dirty="0">
                 <a:solidFill>
                   <a:srgbClr val="333333"/>
                 </a:solidFill>
+                <a:latin typeface="arial" panose="020B0604020202020204" pitchFamily="34" charset="0"/>
+              </a:rPr>
+              <a:t>	</a:t>
+            </a:r>
+            <a:r>
+              <a:rPr lang="en-US" altLang="zh-CN" sz="3200" dirty="0">
+                <a:latin typeface="微软雅黑" panose="020B0503020204020204" pitchFamily="34" charset="-122"/>
+                <a:ea typeface="微软雅黑" panose="020B0503020204020204" pitchFamily="34" charset="-122"/>
+              </a:rPr>
+              <a:t>  </a:t>
+            </a:r>
+            <a:r>
+              <a:rPr lang="en-US" altLang="zh-CN" sz="3200" b="0" i="0" dirty="0">
                 <a:effectLst/>
                 <a:latin typeface="微软雅黑" panose="020B0503020204020204" pitchFamily="34" charset="-122"/>
                 <a:ea typeface="微软雅黑" panose="020B0503020204020204" pitchFamily="34" charset="-122"/>
               </a:rPr>
-              <a:t>	  </a:t>
-            </a:r>
-            <a:r>
-              <a:rPr lang="zh-CN" altLang="en-US" sz="2400" b="0" i="0" dirty="0">
-                <a:solidFill>
-                  <a:srgbClr val="333333"/>
-                </a:solidFill>
+              <a:t>《</a:t>
+            </a:r>
+            <a:r>
+              <a:rPr lang="zh-CN" altLang="en-US" sz="3200" b="0" i="0" dirty="0">
                 <a:effectLst/>
                 <a:latin typeface="微软雅黑" panose="020B0503020204020204" pitchFamily="34" charset="-122"/>
                 <a:ea typeface="微软雅黑" panose="020B0503020204020204" pitchFamily="34" charset="-122"/>
               </a:rPr>
-              <a:t>在该书中，道金斯将社会学说中的主要论题逐一做了详细介绍，如利他和利己行为的概念、遗传学上的自私的定义、亲族学说（包括亲子关系和群居昆虫的进化）、性比率学说、相互利他主义、欺骗行为和性差别的自然选择等。同时，道金斯以生物学研究上的进展及自己的理解为基础，将生物进化的单元或层次确定于基因，并通过对伦理学语言的运用，说明基因的基本特性就是“自私”。道金斯认为，基因为达到生存目的会不择手段。比如，动物照料它的后代，从生物个体的角度来看，这也许是一种利他行为。但是正是因为基因控制着这种行为，它才能通过动物照料后代的这种利他行为完成自身的复制，从而使其自身得以生存。显然，所有在生物个体角度看来明显是利他行为的例子，均是基因自私的结果。基因唯一感兴趣的就是不断重复地拷贝自身，以便在进化过程中争取最大限度地生存和扩张。由于基因掌握着生物的“遗传密码”，所以一切生命的繁殖演化和进化的关键最终都归结于基因的“自私”。</a:t>
-            </a:r>
-            <a:endParaRPr lang="zh-CN" altLang="en-US" sz="2400" dirty="0">
-              <a:latin typeface="微软雅黑" panose="020B0503020204020204" pitchFamily="34" charset="-122"/>
-              <a:ea typeface="微软雅黑" panose="020B0503020204020204" pitchFamily="34" charset="-122"/>
-            </a:endParaRPr>
+              <a:t>自私的基因</a:t>
+            </a:r>
+            <a:r>
+              <a:rPr lang="en-US" altLang="zh-CN" sz="3200" b="0" i="0" dirty="0">
+                <a:effectLst/>
+                <a:latin typeface="微软雅黑" panose="020B0503020204020204" pitchFamily="34" charset="-122"/>
+                <a:ea typeface="微软雅黑" panose="020B0503020204020204" pitchFamily="34" charset="-122"/>
+              </a:rPr>
+              <a:t>》</a:t>
+            </a:r>
+            <a:r>
+              <a:rPr lang="zh-CN" altLang="en-US" sz="3200" b="0" i="0" dirty="0">
+                <a:effectLst/>
+                <a:latin typeface="微软雅黑" panose="020B0503020204020204" pitchFamily="34" charset="-122"/>
+                <a:ea typeface="微软雅黑" panose="020B0503020204020204" pitchFamily="34" charset="-122"/>
+              </a:rPr>
+              <a:t>是英国演化理论学者</a:t>
+            </a:r>
+            <a:r>
+              <a:rPr lang="zh-CN" altLang="en-US" sz="3200" b="0" i="0" strike="noStrike" dirty="0">
+                <a:effectLst/>
+                <a:latin typeface="微软雅黑" panose="020B0503020204020204" pitchFamily="34" charset="-122"/>
+                <a:ea typeface="微软雅黑" panose="020B0503020204020204" pitchFamily="34" charset="-122"/>
+              </a:rPr>
+              <a:t>理查德</a:t>
+            </a:r>
+            <a:r>
+              <a:rPr lang="en-US" altLang="zh-CN" sz="3200" b="0" i="0" strike="noStrike" dirty="0">
+                <a:effectLst/>
+                <a:latin typeface="微软雅黑" panose="020B0503020204020204" pitchFamily="34" charset="-122"/>
+                <a:ea typeface="微软雅黑" panose="020B0503020204020204" pitchFamily="34" charset="-122"/>
+              </a:rPr>
+              <a:t>·</a:t>
+            </a:r>
+            <a:r>
+              <a:rPr lang="zh-CN" altLang="en-US" sz="3200" b="0" i="0" strike="noStrike" dirty="0">
+                <a:effectLst/>
+                <a:latin typeface="微软雅黑" panose="020B0503020204020204" pitchFamily="34" charset="-122"/>
+                <a:ea typeface="微软雅黑" panose="020B0503020204020204" pitchFamily="34" charset="-122"/>
+              </a:rPr>
+              <a:t>道金斯</a:t>
+            </a:r>
+            <a:r>
+              <a:rPr lang="zh-CN" altLang="en-US" sz="3200" b="0" i="0" dirty="0">
+                <a:effectLst/>
+                <a:latin typeface="微软雅黑" panose="020B0503020204020204" pitchFamily="34" charset="-122"/>
+                <a:ea typeface="微软雅黑" panose="020B0503020204020204" pitchFamily="34" charset="-122"/>
+              </a:rPr>
+              <a:t>创作的科普读物，首次出版于</a:t>
+            </a:r>
+            <a:r>
+              <a:rPr lang="en-US" altLang="zh-CN" sz="3200" b="0" i="0" dirty="0">
+                <a:effectLst/>
+                <a:latin typeface="微软雅黑" panose="020B0503020204020204" pitchFamily="34" charset="-122"/>
+                <a:ea typeface="微软雅黑" panose="020B0503020204020204" pitchFamily="34" charset="-122"/>
+              </a:rPr>
+              <a:t>1976</a:t>
+            </a:r>
+            <a:r>
+              <a:rPr lang="zh-CN" altLang="en-US" sz="3200" b="0" i="0" dirty="0">
+                <a:effectLst/>
+                <a:latin typeface="微软雅黑" panose="020B0503020204020204" pitchFamily="34" charset="-122"/>
+                <a:ea typeface="微软雅黑" panose="020B0503020204020204" pitchFamily="34" charset="-122"/>
+              </a:rPr>
+              <a:t>年。</a:t>
+            </a:r>
+          </a:p>
+          <a:p>
+            <a:pPr algn="l"/>
+            <a:r>
+              <a:rPr lang="en-US" altLang="zh-CN" sz="3200" b="0" i="0" dirty="0">
+                <a:effectLst/>
+                <a:latin typeface="微软雅黑" panose="020B0503020204020204" pitchFamily="34" charset="-122"/>
+                <a:ea typeface="微软雅黑" panose="020B0503020204020204" pitchFamily="34" charset="-122"/>
+              </a:rPr>
+              <a:t>		</a:t>
+            </a:r>
+            <a:r>
+              <a:rPr lang="zh-CN" altLang="en-US" sz="3200" b="0" i="0" dirty="0">
+                <a:effectLst/>
+                <a:latin typeface="微软雅黑" panose="020B0503020204020204" pitchFamily="34" charset="-122"/>
+                <a:ea typeface="微软雅黑" panose="020B0503020204020204" pitchFamily="34" charset="-122"/>
+              </a:rPr>
+              <a:t>作者在</a:t>
+            </a:r>
+            <a:r>
+              <a:rPr lang="en-US" altLang="zh-CN" sz="3200" b="0" i="0" dirty="0">
+                <a:effectLst/>
+                <a:latin typeface="微软雅黑" panose="020B0503020204020204" pitchFamily="34" charset="-122"/>
+                <a:ea typeface="微软雅黑" panose="020B0503020204020204" pitchFamily="34" charset="-122"/>
+              </a:rPr>
+              <a:t>《</a:t>
+            </a:r>
+            <a:r>
+              <a:rPr lang="zh-CN" altLang="en-US" sz="3200" b="0" i="0" dirty="0">
+                <a:effectLst/>
+                <a:latin typeface="微软雅黑" panose="020B0503020204020204" pitchFamily="34" charset="-122"/>
+                <a:ea typeface="微软雅黑" panose="020B0503020204020204" pitchFamily="34" charset="-122"/>
+              </a:rPr>
+              <a:t>自私的基因</a:t>
+            </a:r>
+            <a:r>
+              <a:rPr lang="en-US" altLang="zh-CN" sz="3200" b="0" i="0" dirty="0">
+                <a:effectLst/>
+                <a:latin typeface="微软雅黑" panose="020B0503020204020204" pitchFamily="34" charset="-122"/>
+                <a:ea typeface="微软雅黑" panose="020B0503020204020204" pitchFamily="34" charset="-122"/>
+              </a:rPr>
+              <a:t>》</a:t>
+            </a:r>
+            <a:r>
+              <a:rPr lang="zh-CN" altLang="en-US" sz="3200" b="0" i="0" dirty="0">
+                <a:effectLst/>
+                <a:latin typeface="微软雅黑" panose="020B0503020204020204" pitchFamily="34" charset="-122"/>
+                <a:ea typeface="微软雅黑" panose="020B0503020204020204" pitchFamily="34" charset="-122"/>
+              </a:rPr>
+              <a:t>中提出：人们生来是自私的。人类窥见了社会关系中基本的对称性和逻辑性，在人们有了更充分的理解之后，人们的政治见解当会重新获得活力，并对心理学的科学研究提供理论上的支柱。在这一过程中，人们也必将对自己受苦受难的许多根源有一个更深刻的理解。</a:t>
+            </a:r>
+          </a:p>
+          <a:p>
+            <a:pPr algn="l"/>
+            <a:r>
+              <a:rPr lang="en-US" altLang="zh-CN" sz="3200" b="0" i="0" dirty="0">
+                <a:effectLst/>
+                <a:latin typeface="微软雅黑" panose="020B0503020204020204" pitchFamily="34" charset="-122"/>
+                <a:ea typeface="微软雅黑" panose="020B0503020204020204" pitchFamily="34" charset="-122"/>
+              </a:rPr>
+              <a:t>	   </a:t>
+            </a:r>
+            <a:r>
+              <a:rPr lang="zh-CN" altLang="en-US" sz="3200" b="0" i="0" dirty="0">
+                <a:effectLst/>
+                <a:latin typeface="微软雅黑" panose="020B0503020204020204" pitchFamily="34" charset="-122"/>
+                <a:ea typeface="微软雅黑" panose="020B0503020204020204" pitchFamily="34" charset="-122"/>
+              </a:rPr>
+              <a:t>道金斯在</a:t>
+            </a:r>
+            <a:r>
+              <a:rPr lang="en-US" altLang="zh-CN" sz="3200" b="0" i="0" dirty="0">
+                <a:effectLst/>
+                <a:latin typeface="微软雅黑" panose="020B0503020204020204" pitchFamily="34" charset="-122"/>
+                <a:ea typeface="微软雅黑" panose="020B0503020204020204" pitchFamily="34" charset="-122"/>
+              </a:rPr>
+              <a:t>《</a:t>
+            </a:r>
+            <a:r>
+              <a:rPr lang="zh-CN" altLang="en-US" sz="3200" b="0" i="0" dirty="0">
+                <a:effectLst/>
+                <a:latin typeface="微软雅黑" panose="020B0503020204020204" pitchFamily="34" charset="-122"/>
+                <a:ea typeface="微软雅黑" panose="020B0503020204020204" pitchFamily="34" charset="-122"/>
+              </a:rPr>
+              <a:t>自私的基因</a:t>
+            </a:r>
+            <a:r>
+              <a:rPr lang="en-US" altLang="zh-CN" sz="3200" b="0" i="0" dirty="0">
+                <a:effectLst/>
+                <a:latin typeface="微软雅黑" panose="020B0503020204020204" pitchFamily="34" charset="-122"/>
+                <a:ea typeface="微软雅黑" panose="020B0503020204020204" pitchFamily="34" charset="-122"/>
+              </a:rPr>
+              <a:t>》</a:t>
+            </a:r>
+            <a:r>
+              <a:rPr lang="zh-CN" altLang="en-US" sz="3200" b="0" i="0" dirty="0">
+                <a:effectLst/>
+                <a:latin typeface="微软雅黑" panose="020B0503020204020204" pitchFamily="34" charset="-122"/>
+                <a:ea typeface="微软雅黑" panose="020B0503020204020204" pitchFamily="34" charset="-122"/>
+              </a:rPr>
+              <a:t>中的突破性贡献在于，把根据自然选择的社会学说的这一重要部分，用简明通俗的形式，妙趣横生的语言介绍给读者。</a:t>
+            </a:r>
           </a:p>
         </p:txBody>
       </p:sp>
     </p:spTree>
     <p:extLst>
       <p:ext uri="{BB962C8B-B14F-4D97-AF65-F5344CB8AC3E}">
-        <p14:creationId xmlns:p14="http://schemas.microsoft.com/office/powerpoint/2010/main" val="3976864234"/>
+        <p14:creationId xmlns:p14="http://schemas.microsoft.com/office/powerpoint/2010/main" val="3481095782"/>
       </p:ext>
     </p:extLst>
   </p:cSld>
@@ -6768,6 +7067,532 @@
           <a:chExt cx="0" cy="0"/>
         </a:xfrm>
       </p:grpSpPr>
+      <p:pic>
+        <p:nvPicPr>
+          <p:cNvPr id="3" name="图片 2" descr="留胡子的男人&#10;&#10;描述已自动生成">
+            <a:extLst>
+              <a:ext uri="{FF2B5EF4-FFF2-40B4-BE49-F238E27FC236}">
+                <a16:creationId xmlns:a16="http://schemas.microsoft.com/office/drawing/2014/main" id="{BECA762C-6197-41D3-B096-81B7BE5764E6}"/>
+              </a:ext>
+            </a:extLst>
+          </p:cNvPr>
+          <p:cNvPicPr>
+            <a:picLocks noChangeAspect="1"/>
+          </p:cNvPicPr>
+          <p:nvPr/>
+        </p:nvPicPr>
+        <p:blipFill>
+          <a:blip r:embed="rId2">
+            <a:extLst>
+              <a:ext uri="{28A0092B-C50C-407E-A947-70E740481C1C}">
+                <a14:useLocalDpi xmlns:a14="http://schemas.microsoft.com/office/drawing/2010/main" val="0"/>
+              </a:ext>
+            </a:extLst>
+          </a:blip>
+          <a:stretch>
+            <a:fillRect/>
+          </a:stretch>
+        </p:blipFill>
+        <p:spPr>
+          <a:xfrm>
+            <a:off x="1345761" y="1058287"/>
+            <a:ext cx="4364375" cy="4594079"/>
+          </a:xfrm>
+          <a:prstGeom prst="rect">
+            <a:avLst/>
+          </a:prstGeom>
+        </p:spPr>
+      </p:pic>
+      <p:sp>
+        <p:nvSpPr>
+          <p:cNvPr id="5" name="文本框 4">
+            <a:extLst>
+              <a:ext uri="{FF2B5EF4-FFF2-40B4-BE49-F238E27FC236}">
+                <a16:creationId xmlns:a16="http://schemas.microsoft.com/office/drawing/2014/main" id="{5FFBC404-CD19-4856-9931-A712F000D3B3}"/>
+              </a:ext>
+            </a:extLst>
+          </p:cNvPr>
+          <p:cNvSpPr txBox="1"/>
+          <p:nvPr/>
+        </p:nvSpPr>
+        <p:spPr>
+          <a:xfrm>
+            <a:off x="6096000" y="2650947"/>
+            <a:ext cx="6118696" cy="923330"/>
+          </a:xfrm>
+          <a:prstGeom prst="rect">
+            <a:avLst/>
+          </a:prstGeom>
+          <a:noFill/>
+        </p:spPr>
+        <p:txBody>
+          <a:bodyPr wrap="square">
+            <a:spAutoFit/>
+          </a:bodyPr>
+          <a:lstStyle/>
+          <a:p>
+            <a:r>
+              <a:rPr lang="zh-CN" altLang="en-US" sz="5400" b="0" i="0" dirty="0">
+                <a:solidFill>
+                  <a:srgbClr val="333333"/>
+                </a:solidFill>
+                <a:effectLst/>
+                <a:latin typeface="arial" panose="020B0604020202020204" pitchFamily="34" charset="0"/>
+              </a:rPr>
+              <a:t>理查德</a:t>
+            </a:r>
+            <a:r>
+              <a:rPr lang="en-US" altLang="zh-CN" sz="5400" b="0" i="0" dirty="0">
+                <a:solidFill>
+                  <a:srgbClr val="333333"/>
+                </a:solidFill>
+                <a:effectLst/>
+                <a:latin typeface="arial" panose="020B0604020202020204" pitchFamily="34" charset="0"/>
+              </a:rPr>
+              <a:t>·</a:t>
+            </a:r>
+            <a:r>
+              <a:rPr lang="zh-CN" altLang="en-US" sz="5400" b="0" i="0" dirty="0">
+                <a:solidFill>
+                  <a:srgbClr val="333333"/>
+                </a:solidFill>
+                <a:effectLst/>
+                <a:latin typeface="arial" panose="020B0604020202020204" pitchFamily="34" charset="0"/>
+              </a:rPr>
+              <a:t>道金斯</a:t>
+            </a:r>
+            <a:endParaRPr lang="zh-CN" altLang="en-US" sz="5400" dirty="0"/>
+          </a:p>
+        </p:txBody>
+      </p:sp>
+    </p:spTree>
+    <p:extLst>
+      <p:ext uri="{BB962C8B-B14F-4D97-AF65-F5344CB8AC3E}">
+        <p14:creationId xmlns:p14="http://schemas.microsoft.com/office/powerpoint/2010/main" val="2539185046"/>
+      </p:ext>
+    </p:extLst>
+  </p:cSld>
+  <p:clrMapOvr>
+    <a:masterClrMapping/>
+  </p:clrMapOvr>
+</p:sld>
+</file>
+
+<file path=ppt/slides/slide6.xml><?xml version="1.0" encoding="utf-8"?>
+<p:sld xmlns:a="http://schemas.openxmlformats.org/drawingml/2006/main" xmlns:r="http://schemas.openxmlformats.org/officeDocument/2006/relationships" xmlns:p="http://schemas.openxmlformats.org/presentationml/2006/main">
+  <p:cSld>
+    <p:spTree>
+      <p:nvGrpSpPr>
+        <p:cNvPr id="1" name=""/>
+        <p:cNvGrpSpPr/>
+        <p:nvPr/>
+      </p:nvGrpSpPr>
+      <p:grpSpPr>
+        <a:xfrm>
+          <a:off x="0" y="0"/>
+          <a:ext cx="0" cy="0"/>
+          <a:chOff x="0" y="0"/>
+          <a:chExt cx="0" cy="0"/>
+        </a:xfrm>
+      </p:grpSpPr>
+      <p:sp>
+        <p:nvSpPr>
+          <p:cNvPr id="2" name="文本框 1">
+            <a:extLst>
+              <a:ext uri="{FF2B5EF4-FFF2-40B4-BE49-F238E27FC236}">
+                <a16:creationId xmlns:a16="http://schemas.microsoft.com/office/drawing/2014/main" id="{DC2B3EA5-75F0-40ED-9B61-9D5044A5D319}"/>
+              </a:ext>
+            </a:extLst>
+          </p:cNvPr>
+          <p:cNvSpPr txBox="1"/>
+          <p:nvPr/>
+        </p:nvSpPr>
+        <p:spPr>
+          <a:xfrm>
+            <a:off x="583660" y="573932"/>
+            <a:ext cx="3103123" cy="646331"/>
+          </a:xfrm>
+          <a:prstGeom prst="rect">
+            <a:avLst/>
+          </a:prstGeom>
+          <a:noFill/>
+        </p:spPr>
+        <p:txBody>
+          <a:bodyPr wrap="square" rtlCol="0">
+            <a:spAutoFit/>
+          </a:bodyPr>
+          <a:lstStyle/>
+          <a:p>
+            <a:r>
+              <a:rPr lang="zh-CN" altLang="en-US" sz="3600" b="0" i="0" dirty="0">
+                <a:solidFill>
+                  <a:srgbClr val="333333"/>
+                </a:solidFill>
+                <a:effectLst/>
+                <a:latin typeface="arial" panose="020B0604020202020204" pitchFamily="34" charset="0"/>
+              </a:rPr>
+              <a:t>理查德</a:t>
+            </a:r>
+            <a:r>
+              <a:rPr lang="en-US" altLang="zh-CN" sz="3600" b="0" i="0" dirty="0">
+                <a:solidFill>
+                  <a:srgbClr val="333333"/>
+                </a:solidFill>
+                <a:effectLst/>
+                <a:latin typeface="arial" panose="020B0604020202020204" pitchFamily="34" charset="0"/>
+              </a:rPr>
+              <a:t>·</a:t>
+            </a:r>
+            <a:r>
+              <a:rPr lang="zh-CN" altLang="en-US" sz="3600" b="0" i="0" dirty="0">
+                <a:solidFill>
+                  <a:srgbClr val="333333"/>
+                </a:solidFill>
+                <a:effectLst/>
+                <a:latin typeface="arial" panose="020B0604020202020204" pitchFamily="34" charset="0"/>
+              </a:rPr>
+              <a:t>道金斯</a:t>
+            </a:r>
+            <a:endParaRPr lang="zh-CN" altLang="en-US" sz="3600" dirty="0"/>
+          </a:p>
+        </p:txBody>
+      </p:sp>
+      <p:sp>
+        <p:nvSpPr>
+          <p:cNvPr id="4" name="文本框 3">
+            <a:extLst>
+              <a:ext uri="{FF2B5EF4-FFF2-40B4-BE49-F238E27FC236}">
+                <a16:creationId xmlns:a16="http://schemas.microsoft.com/office/drawing/2014/main" id="{36270A48-F8CD-465C-B066-C2BE4676F980}"/>
+              </a:ext>
+            </a:extLst>
+          </p:cNvPr>
+          <p:cNvSpPr txBox="1"/>
+          <p:nvPr/>
+        </p:nvSpPr>
+        <p:spPr>
+          <a:xfrm>
+            <a:off x="749030" y="1322962"/>
+            <a:ext cx="10768519" cy="5016758"/>
+          </a:xfrm>
+          <a:prstGeom prst="rect">
+            <a:avLst/>
+          </a:prstGeom>
+          <a:noFill/>
+        </p:spPr>
+        <p:txBody>
+          <a:bodyPr wrap="square" rtlCol="0">
+            <a:spAutoFit/>
+          </a:bodyPr>
+          <a:lstStyle/>
+          <a:p>
+            <a:r>
+              <a:rPr lang="en-US" altLang="zh-CN" sz="3200" dirty="0"/>
+              <a:t>	</a:t>
+            </a:r>
+            <a:r>
+              <a:rPr lang="zh-CN" altLang="en-US" sz="3200" dirty="0">
+                <a:latin typeface="微软雅黑 Light" panose="020B0502040204020203" pitchFamily="34" charset="-122"/>
+                <a:ea typeface="微软雅黑 Light" panose="020B0502040204020203" pitchFamily="34" charset="-122"/>
+              </a:rPr>
+              <a:t>理查德</a:t>
+            </a:r>
+            <a:r>
+              <a:rPr lang="en-US" altLang="zh-CN" sz="3200" dirty="0">
+                <a:latin typeface="微软雅黑 Light" panose="020B0502040204020203" pitchFamily="34" charset="-122"/>
+                <a:ea typeface="微软雅黑 Light" panose="020B0502040204020203" pitchFamily="34" charset="-122"/>
+              </a:rPr>
+              <a:t>·</a:t>
+            </a:r>
+            <a:r>
+              <a:rPr lang="zh-CN" altLang="en-US" sz="3200" dirty="0">
+                <a:latin typeface="微软雅黑 Light" panose="020B0502040204020203" pitchFamily="34" charset="-122"/>
+                <a:ea typeface="微软雅黑 Light" panose="020B0502040204020203" pitchFamily="34" charset="-122"/>
+              </a:rPr>
+              <a:t>道金斯（</a:t>
+            </a:r>
+            <a:r>
+              <a:rPr lang="en-US" altLang="zh-CN" sz="3200" dirty="0">
+                <a:latin typeface="微软雅黑 Light" panose="020B0502040204020203" pitchFamily="34" charset="-122"/>
+                <a:ea typeface="微软雅黑 Light" panose="020B0502040204020203" pitchFamily="34" charset="-122"/>
+              </a:rPr>
+              <a:t>Richard Dawkins</a:t>
+            </a:r>
+            <a:r>
+              <a:rPr lang="zh-CN" altLang="en-US" sz="3200" dirty="0">
+                <a:latin typeface="微软雅黑 Light" panose="020B0502040204020203" pitchFamily="34" charset="-122"/>
+                <a:ea typeface="微软雅黑 Light" panose="020B0502040204020203" pitchFamily="34" charset="-122"/>
+              </a:rPr>
+              <a:t>，</a:t>
+            </a:r>
+            <a:r>
+              <a:rPr lang="en-US" altLang="zh-CN" sz="3200" dirty="0">
+                <a:latin typeface="微软雅黑 Light" panose="020B0502040204020203" pitchFamily="34" charset="-122"/>
+                <a:ea typeface="微软雅黑 Light" panose="020B0502040204020203" pitchFamily="34" charset="-122"/>
+              </a:rPr>
+              <a:t>1941</a:t>
+            </a:r>
+            <a:r>
+              <a:rPr lang="zh-CN" altLang="en-US" sz="3200" dirty="0">
+                <a:latin typeface="微软雅黑 Light" panose="020B0502040204020203" pitchFamily="34" charset="-122"/>
+                <a:ea typeface="微软雅黑 Light" panose="020B0502040204020203" pitchFamily="34" charset="-122"/>
+              </a:rPr>
+              <a:t>年</a:t>
+            </a:r>
+            <a:r>
+              <a:rPr lang="en-US" altLang="zh-CN" sz="3200" dirty="0">
+                <a:latin typeface="微软雅黑 Light" panose="020B0502040204020203" pitchFamily="34" charset="-122"/>
+                <a:ea typeface="微软雅黑 Light" panose="020B0502040204020203" pitchFamily="34" charset="-122"/>
+              </a:rPr>
+              <a:t>3</a:t>
+            </a:r>
+            <a:r>
+              <a:rPr lang="zh-CN" altLang="en-US" sz="3200" dirty="0">
+                <a:latin typeface="微软雅黑 Light" panose="020B0502040204020203" pitchFamily="34" charset="-122"/>
+                <a:ea typeface="微软雅黑 Light" panose="020B0502040204020203" pitchFamily="34" charset="-122"/>
+              </a:rPr>
+              <a:t>月</a:t>
+            </a:r>
+            <a:r>
+              <a:rPr lang="en-US" altLang="zh-CN" sz="3200" dirty="0">
+                <a:latin typeface="微软雅黑 Light" panose="020B0502040204020203" pitchFamily="34" charset="-122"/>
+                <a:ea typeface="微软雅黑 Light" panose="020B0502040204020203" pitchFamily="34" charset="-122"/>
+              </a:rPr>
+              <a:t>26</a:t>
+            </a:r>
+            <a:r>
+              <a:rPr lang="zh-CN" altLang="en-US" sz="3200" dirty="0">
+                <a:latin typeface="微软雅黑 Light" panose="020B0502040204020203" pitchFamily="34" charset="-122"/>
+                <a:ea typeface="微软雅黑 Light" panose="020B0502040204020203" pitchFamily="34" charset="-122"/>
+              </a:rPr>
+              <a:t>日－），英国著名演化生物学家、动物行为学家和科普作家，英国皇家科学院院士，牛津大学教授，是当今仍在世的最著名、最直言不讳的无神论者和演化论拥护者之一，有“达尔文的罗威纳犬”（</a:t>
+            </a:r>
+            <a:r>
+              <a:rPr lang="en-US" altLang="zh-CN" sz="3200" dirty="0">
+                <a:latin typeface="微软雅黑 Light" panose="020B0502040204020203" pitchFamily="34" charset="-122"/>
+                <a:ea typeface="微软雅黑 Light" panose="020B0502040204020203" pitchFamily="34" charset="-122"/>
+              </a:rPr>
+              <a:t>Darwin's Rottweiler</a:t>
+            </a:r>
+            <a:r>
+              <a:rPr lang="zh-CN" altLang="en-US" sz="3200" dirty="0">
+                <a:latin typeface="微软雅黑 Light" panose="020B0502040204020203" pitchFamily="34" charset="-122"/>
+                <a:ea typeface="微软雅黑 Light" panose="020B0502040204020203" pitchFamily="34" charset="-122"/>
+              </a:rPr>
+              <a:t>）的称号。道金斯原为牛津大学科普教授，现任英国人文主义协会副主席，并担任英国皇家学会会士、英国皇家文学会会士同英国世俗公会荣誉会员。</a:t>
+            </a:r>
+          </a:p>
+          <a:p>
+            <a:r>
+              <a:rPr lang="en-US" altLang="zh-CN" sz="3200" dirty="0">
+                <a:latin typeface="微软雅黑 Light" panose="020B0502040204020203" pitchFamily="34" charset="-122"/>
+                <a:ea typeface="微软雅黑 Light" panose="020B0502040204020203" pitchFamily="34" charset="-122"/>
+              </a:rPr>
+              <a:t>	</a:t>
+            </a:r>
+            <a:r>
+              <a:rPr lang="zh-CN" altLang="en-US" sz="3200" dirty="0">
+                <a:latin typeface="微软雅黑 Light" panose="020B0502040204020203" pitchFamily="34" charset="-122"/>
+                <a:ea typeface="微软雅黑 Light" panose="020B0502040204020203" pitchFamily="34" charset="-122"/>
+              </a:rPr>
+              <a:t>道金斯同美国哲学家丹尼尔</a:t>
+            </a:r>
+            <a:r>
+              <a:rPr lang="en-US" altLang="zh-CN" sz="3200" dirty="0">
+                <a:latin typeface="微软雅黑 Light" panose="020B0502040204020203" pitchFamily="34" charset="-122"/>
+                <a:ea typeface="微软雅黑 Light" panose="020B0502040204020203" pitchFamily="34" charset="-122"/>
+              </a:rPr>
+              <a:t>·</a:t>
+            </a:r>
+            <a:r>
+              <a:rPr lang="zh-CN" altLang="en-US" sz="3200" dirty="0">
+                <a:latin typeface="微软雅黑 Light" panose="020B0502040204020203" pitchFamily="34" charset="-122"/>
+                <a:ea typeface="微软雅黑 Light" panose="020B0502040204020203" pitchFamily="34" charset="-122"/>
+              </a:rPr>
+              <a:t>丹尼特、神经科学家山姆</a:t>
+            </a:r>
+            <a:r>
+              <a:rPr lang="en-US" altLang="zh-CN" sz="3200" dirty="0">
+                <a:latin typeface="微软雅黑 Light" panose="020B0502040204020203" pitchFamily="34" charset="-122"/>
+                <a:ea typeface="微软雅黑 Light" panose="020B0502040204020203" pitchFamily="34" charset="-122"/>
+              </a:rPr>
+              <a:t>·</a:t>
+            </a:r>
+            <a:r>
+              <a:rPr lang="zh-CN" altLang="en-US" sz="3200" dirty="0">
+                <a:latin typeface="微软雅黑 Light" panose="020B0502040204020203" pitchFamily="34" charset="-122"/>
+                <a:ea typeface="微软雅黑 Light" panose="020B0502040204020203" pitchFamily="34" charset="-122"/>
+              </a:rPr>
+              <a:t>哈里斯和已故的英裔美国作家克里斯托弗</a:t>
+            </a:r>
+            <a:r>
+              <a:rPr lang="en-US" altLang="zh-CN" sz="3200" dirty="0">
+                <a:latin typeface="微软雅黑 Light" panose="020B0502040204020203" pitchFamily="34" charset="-122"/>
+                <a:ea typeface="微软雅黑 Light" panose="020B0502040204020203" pitchFamily="34" charset="-122"/>
+              </a:rPr>
+              <a:t>·</a:t>
+            </a:r>
+            <a:r>
+              <a:rPr lang="zh-CN" altLang="en-US" sz="3200" dirty="0">
+                <a:latin typeface="微软雅黑 Light" panose="020B0502040204020203" pitchFamily="34" charset="-122"/>
+                <a:ea typeface="微软雅黑 Light" panose="020B0502040204020203" pitchFamily="34" charset="-122"/>
+              </a:rPr>
+              <a:t>希钦斯常常一起被称为“新无神论的四骑士”。</a:t>
+            </a:r>
+          </a:p>
+        </p:txBody>
+      </p:sp>
+    </p:spTree>
+    <p:extLst>
+      <p:ext uri="{BB962C8B-B14F-4D97-AF65-F5344CB8AC3E}">
+        <p14:creationId xmlns:p14="http://schemas.microsoft.com/office/powerpoint/2010/main" val="2321601101"/>
+      </p:ext>
+    </p:extLst>
+  </p:cSld>
+  <p:clrMapOvr>
+    <a:masterClrMapping/>
+  </p:clrMapOvr>
+</p:sld>
+</file>
+
+<file path=ppt/slides/slide7.xml><?xml version="1.0" encoding="utf-8"?>
+<p:sld xmlns:a="http://schemas.openxmlformats.org/drawingml/2006/main" xmlns:r="http://schemas.openxmlformats.org/officeDocument/2006/relationships" xmlns:p="http://schemas.openxmlformats.org/presentationml/2006/main">
+  <p:cSld>
+    <p:spTree>
+      <p:nvGrpSpPr>
+        <p:cNvPr id="1" name=""/>
+        <p:cNvGrpSpPr/>
+        <p:nvPr/>
+      </p:nvGrpSpPr>
+      <p:grpSpPr>
+        <a:xfrm>
+          <a:off x="0" y="0"/>
+          <a:ext cx="0" cy="0"/>
+          <a:chOff x="0" y="0"/>
+          <a:chExt cx="0" cy="0"/>
+        </a:xfrm>
+      </p:grpSpPr>
+      <p:sp>
+        <p:nvSpPr>
+          <p:cNvPr id="2" name="文本框 1">
+            <a:extLst>
+              <a:ext uri="{FF2B5EF4-FFF2-40B4-BE49-F238E27FC236}">
+                <a16:creationId xmlns:a16="http://schemas.microsoft.com/office/drawing/2014/main" id="{8896EBE0-6C42-4567-A040-61936B389D51}"/>
+              </a:ext>
+            </a:extLst>
+          </p:cNvPr>
+          <p:cNvSpPr txBox="1"/>
+          <p:nvPr/>
+        </p:nvSpPr>
+        <p:spPr>
+          <a:xfrm>
+            <a:off x="817123" y="749030"/>
+            <a:ext cx="1974715" cy="584775"/>
+          </a:xfrm>
+          <a:prstGeom prst="rect">
+            <a:avLst/>
+          </a:prstGeom>
+          <a:noFill/>
+        </p:spPr>
+        <p:txBody>
+          <a:bodyPr wrap="square" rtlCol="0">
+            <a:spAutoFit/>
+          </a:bodyPr>
+          <a:lstStyle/>
+          <a:p>
+            <a:r>
+              <a:rPr lang="zh-CN" altLang="en-US" sz="3200" dirty="0"/>
+              <a:t>内容简介</a:t>
+            </a:r>
+          </a:p>
+        </p:txBody>
+      </p:sp>
+      <p:sp>
+        <p:nvSpPr>
+          <p:cNvPr id="3" name="文本框 2">
+            <a:extLst>
+              <a:ext uri="{FF2B5EF4-FFF2-40B4-BE49-F238E27FC236}">
+                <a16:creationId xmlns:a16="http://schemas.microsoft.com/office/drawing/2014/main" id="{F8240D61-CC45-41CC-8268-01D80392B659}"/>
+              </a:ext>
+            </a:extLst>
+          </p:cNvPr>
+          <p:cNvSpPr txBox="1"/>
+          <p:nvPr/>
+        </p:nvSpPr>
+        <p:spPr>
+          <a:xfrm>
+            <a:off x="872245" y="1220821"/>
+            <a:ext cx="10502631" cy="4893647"/>
+          </a:xfrm>
+          <a:prstGeom prst="rect">
+            <a:avLst/>
+          </a:prstGeom>
+          <a:noFill/>
+        </p:spPr>
+        <p:txBody>
+          <a:bodyPr wrap="square" rtlCol="0">
+            <a:spAutoFit/>
+          </a:bodyPr>
+          <a:lstStyle/>
+          <a:p>
+            <a:r>
+              <a:rPr lang="en-US" altLang="zh-CN" sz="2400" b="0" i="0" dirty="0">
+                <a:solidFill>
+                  <a:srgbClr val="333333"/>
+                </a:solidFill>
+                <a:effectLst/>
+                <a:latin typeface="微软雅黑" panose="020B0503020204020204" pitchFamily="34" charset="-122"/>
+                <a:ea typeface="微软雅黑" panose="020B0503020204020204" pitchFamily="34" charset="-122"/>
+              </a:rPr>
+              <a:t>	  </a:t>
+            </a:r>
+            <a:r>
+              <a:rPr lang="zh-CN" altLang="en-US" sz="2400" b="0" i="0" dirty="0">
+                <a:solidFill>
+                  <a:srgbClr val="333333"/>
+                </a:solidFill>
+                <a:effectLst/>
+                <a:latin typeface="微软雅黑" panose="020B0503020204020204" pitchFamily="34" charset="-122"/>
+                <a:ea typeface="微软雅黑" panose="020B0503020204020204" pitchFamily="34" charset="-122"/>
+              </a:rPr>
+              <a:t>在该书中，道金斯将社会学说中的主要论题逐一做了详细介绍，如利他和利己行为的概念、遗传学上的自私的定义、亲族学说（包括亲子关系和群居昆虫的进化）、性比率学说、相互利他主义、欺骗行为和性差别的自然选择等。同时，道金斯以生物学研究上的进展及自己的理解为基础，将生物进化的单元或层次确定于基因，并通过对伦理学语言的运用，说明基因的基本特性就是“自私”。道金斯认为，基因为达到生存目的会不择手段。比如，动物照料它的后代，从生物个体的角度来看，这也许是一种利他行为。但是正是因为基因控制着这种行为，它才能通过动物照料后代的这种利他行为完成自身的复制，从而使其自身得以生存。显然，所有在生物个体角度看来明显是利他行为的例子，均是基因自私的结果。基因唯一感兴趣的就是不断重复地拷贝自身，以便在进化过程中争取最大限度地生存和扩张。由于基因掌握着生物的“遗传密码”，所以一切生命的繁殖演化和进化的关键最终都归结于基因的“自私”。</a:t>
+            </a:r>
+            <a:endParaRPr lang="zh-CN" altLang="en-US" sz="2400" dirty="0">
+              <a:latin typeface="微软雅黑" panose="020B0503020204020204" pitchFamily="34" charset="-122"/>
+              <a:ea typeface="微软雅黑" panose="020B0503020204020204" pitchFamily="34" charset="-122"/>
+            </a:endParaRPr>
+          </a:p>
+        </p:txBody>
+      </p:sp>
+    </p:spTree>
+    <p:extLst>
+      <p:ext uri="{BB962C8B-B14F-4D97-AF65-F5344CB8AC3E}">
+        <p14:creationId xmlns:p14="http://schemas.microsoft.com/office/powerpoint/2010/main" val="3976864234"/>
+      </p:ext>
+    </p:extLst>
+  </p:cSld>
+  <p:clrMapOvr>
+    <a:masterClrMapping/>
+  </p:clrMapOvr>
+</p:sld>
+</file>
+
+<file path=ppt/slides/slide8.xml><?xml version="1.0" encoding="utf-8"?>
+<p:sld xmlns:a="http://schemas.openxmlformats.org/drawingml/2006/main" xmlns:r="http://schemas.openxmlformats.org/officeDocument/2006/relationships" xmlns:p="http://schemas.openxmlformats.org/presentationml/2006/main">
+  <p:cSld>
+    <p:spTree>
+      <p:nvGrpSpPr>
+        <p:cNvPr id="1" name=""/>
+        <p:cNvGrpSpPr/>
+        <p:nvPr/>
+      </p:nvGrpSpPr>
+      <p:grpSpPr>
+        <a:xfrm>
+          <a:off x="0" y="0"/>
+          <a:ext cx="0" cy="0"/>
+          <a:chOff x="0" y="0"/>
+          <a:chExt cx="0" cy="0"/>
+        </a:xfrm>
+      </p:grpSpPr>
       <p:sp>
         <p:nvSpPr>
           <p:cNvPr id="7" name="文本框 6">
@@ -6925,6 +7750,41 @@
           </a:p>
         </p:txBody>
       </p:sp>
+      <p:sp>
+        <p:nvSpPr>
+          <p:cNvPr id="2" name="文本框 1">
+            <a:extLst>
+              <a:ext uri="{FF2B5EF4-FFF2-40B4-BE49-F238E27FC236}">
+                <a16:creationId xmlns:a16="http://schemas.microsoft.com/office/drawing/2014/main" id="{1D65065F-CF74-438D-82AA-7A9FDB33FB91}"/>
+              </a:ext>
+            </a:extLst>
+          </p:cNvPr>
+          <p:cNvSpPr txBox="1"/>
+          <p:nvPr/>
+        </p:nvSpPr>
+        <p:spPr>
+          <a:xfrm>
+            <a:off x="690664" y="613231"/>
+            <a:ext cx="2198451" cy="523220"/>
+          </a:xfrm>
+          <a:prstGeom prst="rect">
+            <a:avLst/>
+          </a:prstGeom>
+          <a:noFill/>
+        </p:spPr>
+        <p:txBody>
+          <a:bodyPr wrap="square" rtlCol="0">
+            <a:spAutoFit/>
+          </a:bodyPr>
+          <a:lstStyle/>
+          <a:p>
+            <a:r>
+              <a:rPr lang="zh-CN" altLang="en-US" sz="2800" dirty="0"/>
+              <a:t>好句摘抄</a:t>
+            </a:r>
+          </a:p>
+        </p:txBody>
+      </p:sp>
     </p:spTree>
     <p:extLst>
       <p:ext uri="{BB962C8B-B14F-4D97-AF65-F5344CB8AC3E}">
@@ -6935,6 +7795,352 @@
   <p:clrMapOvr>
     <a:masterClrMapping/>
   </p:clrMapOvr>
+  <p:timing>
+    <p:tnLst>
+      <p:par>
+        <p:cTn id="1" dur="indefinite" restart="never" nodeType="tmRoot">
+          <p:childTnLst>
+            <p:seq concurrent="1" nextAc="seek">
+              <p:cTn id="2" dur="indefinite" nodeType="mainSeq">
+                <p:childTnLst>
+                  <p:par>
+                    <p:cTn id="3" fill="hold">
+                      <p:stCondLst>
+                        <p:cond delay="indefinite"/>
+                      </p:stCondLst>
+                      <p:childTnLst>
+                        <p:par>
+                          <p:cTn id="4" fill="hold">
+                            <p:stCondLst>
+                              <p:cond delay="0"/>
+                            </p:stCondLst>
+                            <p:childTnLst>
+                              <p:par>
+                                <p:cTn id="5" presetID="2" presetClass="entr" presetSubtype="4" fill="hold" grpId="0" nodeType="clickEffect">
+                                  <p:stCondLst>
+                                    <p:cond delay="0"/>
+                                  </p:stCondLst>
+                                  <p:childTnLst>
+                                    <p:set>
+                                      <p:cBhvr>
+                                        <p:cTn id="6" dur="1" fill="hold">
+                                          <p:stCondLst>
+                                            <p:cond delay="0"/>
+                                          </p:stCondLst>
+                                        </p:cTn>
+                                        <p:tgtEl>
+                                          <p:spTgt spid="7"/>
+                                        </p:tgtEl>
+                                        <p:attrNameLst>
+                                          <p:attrName>style.visibility</p:attrName>
+                                        </p:attrNameLst>
+                                      </p:cBhvr>
+                                      <p:to>
+                                        <p:strVal val="visible"/>
+                                      </p:to>
+                                    </p:set>
+                                    <p:anim calcmode="lin" valueType="num">
+                                      <p:cBhvr additive="base">
+                                        <p:cTn id="7" dur="500" fill="hold"/>
+                                        <p:tgtEl>
+                                          <p:spTgt spid="7"/>
+                                        </p:tgtEl>
+                                        <p:attrNameLst>
+                                          <p:attrName>ppt_x</p:attrName>
+                                        </p:attrNameLst>
+                                      </p:cBhvr>
+                                      <p:tavLst>
+                                        <p:tav tm="0">
+                                          <p:val>
+                                            <p:strVal val="#ppt_x"/>
+                                          </p:val>
+                                        </p:tav>
+                                        <p:tav tm="100000">
+                                          <p:val>
+                                            <p:strVal val="#ppt_x"/>
+                                          </p:val>
+                                        </p:tav>
+                                      </p:tavLst>
+                                    </p:anim>
+                                    <p:anim calcmode="lin" valueType="num">
+                                      <p:cBhvr additive="base">
+                                        <p:cTn id="8" dur="500" fill="hold"/>
+                                        <p:tgtEl>
+                                          <p:spTgt spid="7"/>
+                                        </p:tgtEl>
+                                        <p:attrNameLst>
+                                          <p:attrName>ppt_y</p:attrName>
+                                        </p:attrNameLst>
+                                      </p:cBhvr>
+                                      <p:tavLst>
+                                        <p:tav tm="0">
+                                          <p:val>
+                                            <p:strVal val="1+#ppt_h/2"/>
+                                          </p:val>
+                                        </p:tav>
+                                        <p:tav tm="100000">
+                                          <p:val>
+                                            <p:strVal val="#ppt_y"/>
+                                          </p:val>
+                                        </p:tav>
+                                      </p:tavLst>
+                                    </p:anim>
+                                  </p:childTnLst>
+                                </p:cTn>
+                              </p:par>
+                              <p:par>
+                                <p:cTn id="9" presetID="2" presetClass="entr" presetSubtype="4" fill="hold" grpId="0" nodeType="withEffect">
+                                  <p:stCondLst>
+                                    <p:cond delay="0"/>
+                                  </p:stCondLst>
+                                  <p:childTnLst>
+                                    <p:set>
+                                      <p:cBhvr>
+                                        <p:cTn id="10" dur="1" fill="hold">
+                                          <p:stCondLst>
+                                            <p:cond delay="0"/>
+                                          </p:stCondLst>
+                                        </p:cTn>
+                                        <p:tgtEl>
+                                          <p:spTgt spid="11"/>
+                                        </p:tgtEl>
+                                        <p:attrNameLst>
+                                          <p:attrName>style.visibility</p:attrName>
+                                        </p:attrNameLst>
+                                      </p:cBhvr>
+                                      <p:to>
+                                        <p:strVal val="visible"/>
+                                      </p:to>
+                                    </p:set>
+                                    <p:anim calcmode="lin" valueType="num">
+                                      <p:cBhvr additive="base">
+                                        <p:cTn id="11" dur="500" fill="hold"/>
+                                        <p:tgtEl>
+                                          <p:spTgt spid="11"/>
+                                        </p:tgtEl>
+                                        <p:attrNameLst>
+                                          <p:attrName>ppt_x</p:attrName>
+                                        </p:attrNameLst>
+                                      </p:cBhvr>
+                                      <p:tavLst>
+                                        <p:tav tm="0">
+                                          <p:val>
+                                            <p:strVal val="#ppt_x"/>
+                                          </p:val>
+                                        </p:tav>
+                                        <p:tav tm="100000">
+                                          <p:val>
+                                            <p:strVal val="#ppt_x"/>
+                                          </p:val>
+                                        </p:tav>
+                                      </p:tavLst>
+                                    </p:anim>
+                                    <p:anim calcmode="lin" valueType="num">
+                                      <p:cBhvr additive="base">
+                                        <p:cTn id="12" dur="500" fill="hold"/>
+                                        <p:tgtEl>
+                                          <p:spTgt spid="11"/>
+                                        </p:tgtEl>
+                                        <p:attrNameLst>
+                                          <p:attrName>ppt_y</p:attrName>
+                                        </p:attrNameLst>
+                                      </p:cBhvr>
+                                      <p:tavLst>
+                                        <p:tav tm="0">
+                                          <p:val>
+                                            <p:strVal val="1+#ppt_h/2"/>
+                                          </p:val>
+                                        </p:tav>
+                                        <p:tav tm="100000">
+                                          <p:val>
+                                            <p:strVal val="#ppt_y"/>
+                                          </p:val>
+                                        </p:tav>
+                                      </p:tavLst>
+                                    </p:anim>
+                                  </p:childTnLst>
+                                </p:cTn>
+                              </p:par>
+                              <p:par>
+                                <p:cTn id="13" presetID="2" presetClass="entr" presetSubtype="4" fill="hold" grpId="0" nodeType="withEffect">
+                                  <p:stCondLst>
+                                    <p:cond delay="0"/>
+                                  </p:stCondLst>
+                                  <p:childTnLst>
+                                    <p:set>
+                                      <p:cBhvr>
+                                        <p:cTn id="14" dur="1" fill="hold">
+                                          <p:stCondLst>
+                                            <p:cond delay="0"/>
+                                          </p:stCondLst>
+                                        </p:cTn>
+                                        <p:tgtEl>
+                                          <p:spTgt spid="9"/>
+                                        </p:tgtEl>
+                                        <p:attrNameLst>
+                                          <p:attrName>style.visibility</p:attrName>
+                                        </p:attrNameLst>
+                                      </p:cBhvr>
+                                      <p:to>
+                                        <p:strVal val="visible"/>
+                                      </p:to>
+                                    </p:set>
+                                    <p:anim calcmode="lin" valueType="num">
+                                      <p:cBhvr additive="base">
+                                        <p:cTn id="15" dur="500" fill="hold"/>
+                                        <p:tgtEl>
+                                          <p:spTgt spid="9"/>
+                                        </p:tgtEl>
+                                        <p:attrNameLst>
+                                          <p:attrName>ppt_x</p:attrName>
+                                        </p:attrNameLst>
+                                      </p:cBhvr>
+                                      <p:tavLst>
+                                        <p:tav tm="0">
+                                          <p:val>
+                                            <p:strVal val="#ppt_x"/>
+                                          </p:val>
+                                        </p:tav>
+                                        <p:tav tm="100000">
+                                          <p:val>
+                                            <p:strVal val="#ppt_x"/>
+                                          </p:val>
+                                        </p:tav>
+                                      </p:tavLst>
+                                    </p:anim>
+                                    <p:anim calcmode="lin" valueType="num">
+                                      <p:cBhvr additive="base">
+                                        <p:cTn id="16" dur="500" fill="hold"/>
+                                        <p:tgtEl>
+                                          <p:spTgt spid="9"/>
+                                        </p:tgtEl>
+                                        <p:attrNameLst>
+                                          <p:attrName>ppt_y</p:attrName>
+                                        </p:attrNameLst>
+                                      </p:cBhvr>
+                                      <p:tavLst>
+                                        <p:tav tm="0">
+                                          <p:val>
+                                            <p:strVal val="1+#ppt_h/2"/>
+                                          </p:val>
+                                        </p:tav>
+                                        <p:tav tm="100000">
+                                          <p:val>
+                                            <p:strVal val="#ppt_y"/>
+                                          </p:val>
+                                        </p:tav>
+                                      </p:tavLst>
+                                    </p:anim>
+                                  </p:childTnLst>
+                                </p:cTn>
+                              </p:par>
+                              <p:par>
+                                <p:cTn id="17" presetID="2" presetClass="entr" presetSubtype="4" fill="hold" grpId="0" nodeType="withEffect">
+                                  <p:stCondLst>
+                                    <p:cond delay="0"/>
+                                  </p:stCondLst>
+                                  <p:childTnLst>
+                                    <p:set>
+                                      <p:cBhvr>
+                                        <p:cTn id="18" dur="1" fill="hold">
+                                          <p:stCondLst>
+                                            <p:cond delay="0"/>
+                                          </p:stCondLst>
+                                        </p:cTn>
+                                        <p:tgtEl>
+                                          <p:spTgt spid="12"/>
+                                        </p:tgtEl>
+                                        <p:attrNameLst>
+                                          <p:attrName>style.visibility</p:attrName>
+                                        </p:attrNameLst>
+                                      </p:cBhvr>
+                                      <p:to>
+                                        <p:strVal val="visible"/>
+                                      </p:to>
+                                    </p:set>
+                                    <p:anim calcmode="lin" valueType="num">
+                                      <p:cBhvr additive="base">
+                                        <p:cTn id="19" dur="500" fill="hold"/>
+                                        <p:tgtEl>
+                                          <p:spTgt spid="12"/>
+                                        </p:tgtEl>
+                                        <p:attrNameLst>
+                                          <p:attrName>ppt_x</p:attrName>
+                                        </p:attrNameLst>
+                                      </p:cBhvr>
+                                      <p:tavLst>
+                                        <p:tav tm="0">
+                                          <p:val>
+                                            <p:strVal val="#ppt_x"/>
+                                          </p:val>
+                                        </p:tav>
+                                        <p:tav tm="100000">
+                                          <p:val>
+                                            <p:strVal val="#ppt_x"/>
+                                          </p:val>
+                                        </p:tav>
+                                      </p:tavLst>
+                                    </p:anim>
+                                    <p:anim calcmode="lin" valueType="num">
+                                      <p:cBhvr additive="base">
+                                        <p:cTn id="20" dur="500" fill="hold"/>
+                                        <p:tgtEl>
+                                          <p:spTgt spid="12"/>
+                                        </p:tgtEl>
+                                        <p:attrNameLst>
+                                          <p:attrName>ppt_y</p:attrName>
+                                        </p:attrNameLst>
+                                      </p:cBhvr>
+                                      <p:tavLst>
+                                        <p:tav tm="0">
+                                          <p:val>
+                                            <p:strVal val="1+#ppt_h/2"/>
+                                          </p:val>
+                                        </p:tav>
+                                        <p:tav tm="100000">
+                                          <p:val>
+                                            <p:strVal val="#ppt_y"/>
+                                          </p:val>
+                                        </p:tav>
+                                      </p:tavLst>
+                                    </p:anim>
+                                  </p:childTnLst>
+                                </p:cTn>
+                              </p:par>
+                            </p:childTnLst>
+                          </p:cTn>
+                        </p:par>
+                      </p:childTnLst>
+                    </p:cTn>
+                  </p:par>
+                </p:childTnLst>
+              </p:cTn>
+              <p:prevCondLst>
+                <p:cond evt="onPrev" delay="0">
+                  <p:tgtEl>
+                    <p:sldTgt/>
+                  </p:tgtEl>
+                </p:cond>
+              </p:prevCondLst>
+              <p:nextCondLst>
+                <p:cond evt="onNext" delay="0">
+                  <p:tgtEl>
+                    <p:sldTgt/>
+                  </p:tgtEl>
+                </p:cond>
+              </p:nextCondLst>
+            </p:seq>
+          </p:childTnLst>
+        </p:cTn>
+      </p:par>
+    </p:tnLst>
+    <p:bldLst>
+      <p:bldP spid="7" grpId="0"/>
+      <p:bldP spid="9" grpId="0"/>
+      <p:bldP spid="11" grpId="0"/>
+      <p:bldP spid="12" grpId="0"/>
+    </p:bldLst>
+  </p:timing>
 </p:sld>
 </file>
 
@@ -7169,4 +8375,299 @@
     </a:ext>
   </a:extLst>
 </a:theme>
+</file>
+
+<file path=ppt/theme/theme2.xml><?xml version="1.0" encoding="utf-8"?>
+<a:theme xmlns:a="http://schemas.openxmlformats.org/drawingml/2006/main" name="Office 主题​​">
+  <a:themeElements>
+    <a:clrScheme name="Office">
+      <a:dk1>
+        <a:sysClr val="windowText" lastClr="000000"/>
+      </a:dk1>
+      <a:lt1>
+        <a:sysClr val="window" lastClr="FFFFFF"/>
+      </a:lt1>
+      <a:dk2>
+        <a:srgbClr val="44546A"/>
+      </a:dk2>
+      <a:lt2>
+        <a:srgbClr val="E7E6E6"/>
+      </a:lt2>
+      <a:accent1>
+        <a:srgbClr val="4472C4"/>
+      </a:accent1>
+      <a:accent2>
+        <a:srgbClr val="ED7D31"/>
+      </a:accent2>
+      <a:accent3>
+        <a:srgbClr val="A5A5A5"/>
+      </a:accent3>
+      <a:accent4>
+        <a:srgbClr val="FFC000"/>
+      </a:accent4>
+      <a:accent5>
+        <a:srgbClr val="5B9BD5"/>
+      </a:accent5>
+      <a:accent6>
+        <a:srgbClr val="70AD47"/>
+      </a:accent6>
+      <a:hlink>
+        <a:srgbClr val="0563C1"/>
+      </a:hlink>
+      <a:folHlink>
+        <a:srgbClr val="954F72"/>
+      </a:folHlink>
+    </a:clrScheme>
+    <a:fontScheme name="Office">
+      <a:majorFont>
+        <a:latin typeface="等线 Light" panose="020F0302020204030204"/>
+        <a:ea typeface=""/>
+        <a:cs typeface=""/>
+        <a:font script="Jpan" typeface="游ゴシック Light"/>
+        <a:font script="Hang" typeface="맑은 고딕"/>
+        <a:font script="Hans" typeface="等线 Light"/>
+        <a:font script="Hant" typeface="新細明體"/>
+        <a:font script="Arab" typeface="Times New Roman"/>
+        <a:font script="Hebr" typeface="Times New Roman"/>
+        <a:font script="Thai" typeface="Angsana New"/>
+        <a:font script="Ethi" typeface="Nyala"/>
+        <a:font script="Beng" typeface="Vrinda"/>
+        <a:font script="Gujr" typeface="Shruti"/>
+        <a:font script="Khmr" typeface="MoolBoran"/>
+        <a:font script="Knda" typeface="Tunga"/>
+        <a:font script="Guru" typeface="Raavi"/>
+        <a:font script="Cans" typeface="Euphemia"/>
+        <a:font script="Cher" typeface="Plantagenet Cherokee"/>
+        <a:font script="Yiii" typeface="Microsoft Yi Baiti"/>
+        <a:font script="Tibt" typeface="Microsoft Himalaya"/>
+        <a:font script="Thaa" typeface="MV Boli"/>
+        <a:font script="Deva" typeface="Mangal"/>
+        <a:font script="Telu" typeface="Gautami"/>
+        <a:font script="Taml" typeface="Latha"/>
+        <a:font script="Syrc" typeface="Estrangelo Edessa"/>
+        <a:font script="Orya" typeface="Kalinga"/>
+        <a:font script="Mlym" typeface="Kartika"/>
+        <a:font script="Laoo" typeface="DokChampa"/>
+        <a:font script="Sinh" typeface="Iskoola Pota"/>
+        <a:font script="Mong" typeface="Mongolian Baiti"/>
+        <a:font script="Viet" typeface="Times New Roman"/>
+        <a:font script="Uigh" typeface="Microsoft Uighur"/>
+        <a:font script="Geor" typeface="Sylfaen"/>
+        <a:font script="Armn" typeface="Arial"/>
+        <a:font script="Bugi" typeface="Leelawadee UI"/>
+        <a:font script="Bopo" typeface="Microsoft JhengHei"/>
+        <a:font script="Java" typeface="Javanese Text"/>
+        <a:font script="Lisu" typeface="Segoe UI"/>
+        <a:font script="Mymr" typeface="Myanmar Text"/>
+        <a:font script="Nkoo" typeface="Ebrima"/>
+        <a:font script="Olck" typeface="Nirmala UI"/>
+        <a:font script="Osma" typeface="Ebrima"/>
+        <a:font script="Phag" typeface="Phagspa"/>
+        <a:font script="Syrn" typeface="Estrangelo Edessa"/>
+        <a:font script="Syrj" typeface="Estrangelo Edessa"/>
+        <a:font script="Syre" typeface="Estrangelo Edessa"/>
+        <a:font script="Sora" typeface="Nirmala UI"/>
+        <a:font script="Tale" typeface="Microsoft Tai Le"/>
+        <a:font script="Talu" typeface="Microsoft New Tai Lue"/>
+        <a:font script="Tfng" typeface="Ebrima"/>
+      </a:majorFont>
+      <a:minorFont>
+        <a:latin typeface="等线" panose="020F0502020204030204"/>
+        <a:ea typeface=""/>
+        <a:cs typeface=""/>
+        <a:font script="Jpan" typeface="游ゴシック"/>
+        <a:font script="Hang" typeface="맑은 고딕"/>
+        <a:font script="Hans" typeface="等线"/>
+        <a:font script="Hant" typeface="新細明體"/>
+        <a:font script="Arab" typeface="Arial"/>
+        <a:font script="Hebr" typeface="Arial"/>
+        <a:font script="Thai" typeface="Cordia New"/>
+        <a:font script="Ethi" typeface="Nyala"/>
+        <a:font script="Beng" typeface="Vrinda"/>
+        <a:font script="Gujr" typeface="Shruti"/>
+        <a:font script="Khmr" typeface="DaunPenh"/>
+        <a:font script="Knda" typeface="Tunga"/>
+        <a:font script="Guru" typeface="Raavi"/>
+        <a:font script="Cans" typeface="Euphemia"/>
+        <a:font script="Cher" typeface="Plantagenet Cherokee"/>
+        <a:font script="Yiii" typeface="Microsoft Yi Baiti"/>
+        <a:font script="Tibt" typeface="Microsoft Himalaya"/>
+        <a:font script="Thaa" typeface="MV Boli"/>
+        <a:font script="Deva" typeface="Mangal"/>
+        <a:font script="Telu" typeface="Gautami"/>
+        <a:font script="Taml" typeface="Latha"/>
+        <a:font script="Syrc" typeface="Estrangelo Edessa"/>
+        <a:font script="Orya" typeface="Kalinga"/>
+        <a:font script="Mlym" typeface="Kartika"/>
+        <a:font script="Laoo" typeface="DokChampa"/>
+        <a:font script="Sinh" typeface="Iskoola Pota"/>
+        <a:font script="Mong" typeface="Mongolian Baiti"/>
+        <a:font script="Viet" typeface="Arial"/>
+        <a:font script="Uigh" typeface="Microsoft Uighur"/>
+        <a:font script="Geor" typeface="Sylfaen"/>
+        <a:font script="Armn" typeface="Arial"/>
+        <a:font script="Bugi" typeface="Leelawadee UI"/>
+        <a:font script="Bopo" typeface="Microsoft JhengHei"/>
+        <a:font script="Java" typeface="Javanese Text"/>
+        <a:font script="Lisu" typeface="Segoe UI"/>
+        <a:font script="Mymr" typeface="Myanmar Text"/>
+        <a:font script="Nkoo" typeface="Ebrima"/>
+        <a:font script="Olck" typeface="Nirmala UI"/>
+        <a:font script="Osma" typeface="Ebrima"/>
+        <a:font script="Phag" typeface="Phagspa"/>
+        <a:font script="Syrn" typeface="Estrangelo Edessa"/>
+        <a:font script="Syrj" typeface="Estrangelo Edessa"/>
+        <a:font script="Syre" typeface="Estrangelo Edessa"/>
+        <a:font script="Sora" typeface="Nirmala UI"/>
+        <a:font script="Tale" typeface="Microsoft Tai Le"/>
+        <a:font script="Talu" typeface="Microsoft New Tai Lue"/>
+        <a:font script="Tfng" typeface="Ebrima"/>
+      </a:minorFont>
+    </a:fontScheme>
+    <a:fmtScheme name="Office">
+      <a:fillStyleLst>
+        <a:solidFill>
+          <a:schemeClr val="phClr"/>
+        </a:solidFill>
+        <a:gradFill rotWithShape="1">
+          <a:gsLst>
+            <a:gs pos="0">
+              <a:schemeClr val="phClr">
+                <a:lumMod val="110000"/>
+                <a:satMod val="105000"/>
+                <a:tint val="67000"/>
+              </a:schemeClr>
+            </a:gs>
+            <a:gs pos="50000">
+              <a:schemeClr val="phClr">
+                <a:lumMod val="105000"/>
+                <a:satMod val="103000"/>
+                <a:tint val="73000"/>
+              </a:schemeClr>
+            </a:gs>
+            <a:gs pos="100000">
+              <a:schemeClr val="phClr">
+                <a:lumMod val="105000"/>
+                <a:satMod val="109000"/>
+                <a:tint val="81000"/>
+              </a:schemeClr>
+            </a:gs>
+          </a:gsLst>
+          <a:lin ang="5400000" scaled="0"/>
+        </a:gradFill>
+        <a:gradFill rotWithShape="1">
+          <a:gsLst>
+            <a:gs pos="0">
+              <a:schemeClr val="phClr">
+                <a:satMod val="103000"/>
+                <a:lumMod val="102000"/>
+                <a:tint val="94000"/>
+              </a:schemeClr>
+            </a:gs>
+            <a:gs pos="50000">
+              <a:schemeClr val="phClr">
+                <a:satMod val="110000"/>
+                <a:lumMod val="100000"/>
+                <a:shade val="100000"/>
+              </a:schemeClr>
+            </a:gs>
+            <a:gs pos="100000">
+              <a:schemeClr val="phClr">
+                <a:lumMod val="99000"/>
+                <a:satMod val="120000"/>
+                <a:shade val="78000"/>
+              </a:schemeClr>
+            </a:gs>
+          </a:gsLst>
+          <a:lin ang="5400000" scaled="0"/>
+        </a:gradFill>
+      </a:fillStyleLst>
+      <a:lnStyleLst>
+        <a:ln w="6350" cap="flat" cmpd="sng" algn="ctr">
+          <a:solidFill>
+            <a:schemeClr val="phClr"/>
+          </a:solidFill>
+          <a:prstDash val="solid"/>
+          <a:miter lim="800000"/>
+        </a:ln>
+        <a:ln w="12700" cap="flat" cmpd="sng" algn="ctr">
+          <a:solidFill>
+            <a:schemeClr val="phClr"/>
+          </a:solidFill>
+          <a:prstDash val="solid"/>
+          <a:miter lim="800000"/>
+        </a:ln>
+        <a:ln w="19050" cap="flat" cmpd="sng" algn="ctr">
+          <a:solidFill>
+            <a:schemeClr val="phClr"/>
+          </a:solidFill>
+          <a:prstDash val="solid"/>
+          <a:miter lim="800000"/>
+        </a:ln>
+      </a:lnStyleLst>
+      <a:effectStyleLst>
+        <a:effectStyle>
+          <a:effectLst/>
+        </a:effectStyle>
+        <a:effectStyle>
+          <a:effectLst/>
+        </a:effectStyle>
+        <a:effectStyle>
+          <a:effectLst>
+            <a:outerShdw blurRad="57150" dist="19050" dir="5400000" algn="ctr" rotWithShape="0">
+              <a:srgbClr val="000000">
+                <a:alpha val="63000"/>
+              </a:srgbClr>
+            </a:outerShdw>
+          </a:effectLst>
+        </a:effectStyle>
+      </a:effectStyleLst>
+      <a:bgFillStyleLst>
+        <a:solidFill>
+          <a:schemeClr val="phClr"/>
+        </a:solidFill>
+        <a:solidFill>
+          <a:schemeClr val="phClr">
+            <a:tint val="95000"/>
+            <a:satMod val="170000"/>
+          </a:schemeClr>
+        </a:solidFill>
+        <a:gradFill rotWithShape="1">
+          <a:gsLst>
+            <a:gs pos="0">
+              <a:schemeClr val="phClr">
+                <a:tint val="93000"/>
+                <a:satMod val="150000"/>
+                <a:shade val="98000"/>
+                <a:lumMod val="102000"/>
+              </a:schemeClr>
+            </a:gs>
+            <a:gs pos="50000">
+              <a:schemeClr val="phClr">
+                <a:tint val="98000"/>
+                <a:satMod val="130000"/>
+                <a:shade val="90000"/>
+                <a:lumMod val="103000"/>
+              </a:schemeClr>
+            </a:gs>
+            <a:gs pos="100000">
+              <a:schemeClr val="phClr">
+                <a:shade val="63000"/>
+                <a:satMod val="120000"/>
+              </a:schemeClr>
+            </a:gs>
+          </a:gsLst>
+          <a:lin ang="5400000" scaled="0"/>
+        </a:gradFill>
+      </a:bgFillStyleLst>
+    </a:fmtScheme>
+  </a:themeElements>
+  <a:objectDefaults/>
+  <a:extraClrSchemeLst/>
+  <a:extLst>
+    <a:ext uri="{05A4C25C-085E-4340-85A3-A5531E510DB2}">
+      <thm15:themeFamily xmlns:thm15="http://schemas.microsoft.com/office/thememl/2012/main" name="Office Theme" id="{62F939B6-93AF-4DB8-9C6B-D6C7DFDC589F}" vid="{4A3C46E8-61CC-4603-A589-7422A47A8E4A}"/>
+    </a:ext>
+  </a:extLst>
+</a:theme>
 </file>